--- a/Research_Presentation_ACTUAL.pptx
+++ b/Research_Presentation_ACTUAL.pptx
@@ -172,10 +172,9 @@
           <a:lstStyle/>
           <a:p>
             <a:r>
-              <a:rPr lang="en-US" smtClean="0"/>
+              <a:rPr lang="en-US"/>
               <a:t>Click to edit Master title style</a:t>
             </a:r>
-            <a:endParaRPr lang="en-US"/>
           </a:p>
         </p:txBody>
       </p:sp>
@@ -291,10 +290,9 @@
           </a:lstStyle>
           <a:p>
             <a:r>
-              <a:rPr lang="en-US" smtClean="0"/>
+              <a:rPr lang="en-US"/>
               <a:t>Click to edit Master subtitle style</a:t>
             </a:r>
-            <a:endParaRPr lang="en-US"/>
           </a:p>
         </p:txBody>
       </p:sp>
@@ -315,7 +313,7 @@
           <a:p>
             <a:fld id="{5BCAD085-E8A6-8845-BD4E-CB4CCA059FC4}" type="datetimeFigureOut">
               <a:rPr lang="en-US" smtClean="0"/>
-              <a:t>10-Nov-25</a:t>
+              <a:t>11/12/25</a:t>
             </a:fld>
             <a:endParaRPr lang="en-US"/>
           </a:p>
@@ -409,10 +407,9 @@
           <a:lstStyle/>
           <a:p>
             <a:r>
-              <a:rPr lang="en-US" smtClean="0"/>
+              <a:rPr lang="en-US"/>
               <a:t>Click to edit Master title style</a:t>
             </a:r>
-            <a:endParaRPr lang="en-US"/>
           </a:p>
         </p:txBody>
       </p:sp>
@@ -433,38 +430,37 @@
           <a:p>
             <a:pPr lvl="0"/>
             <a:r>
-              <a:rPr lang="en-US" smtClean="0"/>
+              <a:rPr lang="en-US"/>
               <a:t>Click to edit Master text styles</a:t>
             </a:r>
           </a:p>
           <a:p>
             <a:pPr lvl="1"/>
             <a:r>
-              <a:rPr lang="en-US" smtClean="0"/>
+              <a:rPr lang="en-US"/>
               <a:t>Second level</a:t>
             </a:r>
           </a:p>
           <a:p>
             <a:pPr lvl="2"/>
             <a:r>
-              <a:rPr lang="en-US" smtClean="0"/>
+              <a:rPr lang="en-US"/>
               <a:t>Third level</a:t>
             </a:r>
           </a:p>
           <a:p>
             <a:pPr lvl="3"/>
             <a:r>
-              <a:rPr lang="en-US" smtClean="0"/>
+              <a:rPr lang="en-US"/>
               <a:t>Fourth level</a:t>
             </a:r>
           </a:p>
           <a:p>
             <a:pPr lvl="4"/>
             <a:r>
-              <a:rPr lang="en-US" smtClean="0"/>
+              <a:rPr lang="en-US"/>
               <a:t>Fifth level</a:t>
             </a:r>
-            <a:endParaRPr lang="en-US"/>
           </a:p>
         </p:txBody>
       </p:sp>
@@ -485,7 +481,7 @@
           <a:p>
             <a:fld id="{5BCAD085-E8A6-8845-BD4E-CB4CCA059FC4}" type="datetimeFigureOut">
               <a:rPr lang="en-US" smtClean="0"/>
-              <a:t>10-Nov-25</a:t>
+              <a:t>11/12/25</a:t>
             </a:fld>
             <a:endParaRPr lang="en-US"/>
           </a:p>
@@ -584,10 +580,9 @@
           <a:lstStyle/>
           <a:p>
             <a:r>
-              <a:rPr lang="en-US" smtClean="0"/>
+              <a:rPr lang="en-US"/>
               <a:t>Click to edit Master title style</a:t>
             </a:r>
-            <a:endParaRPr lang="en-US"/>
           </a:p>
         </p:txBody>
       </p:sp>
@@ -613,38 +608,37 @@
           <a:p>
             <a:pPr lvl="0"/>
             <a:r>
-              <a:rPr lang="en-US" smtClean="0"/>
+              <a:rPr lang="en-US"/>
               <a:t>Click to edit Master text styles</a:t>
             </a:r>
           </a:p>
           <a:p>
             <a:pPr lvl="1"/>
             <a:r>
-              <a:rPr lang="en-US" smtClean="0"/>
+              <a:rPr lang="en-US"/>
               <a:t>Second level</a:t>
             </a:r>
           </a:p>
           <a:p>
             <a:pPr lvl="2"/>
             <a:r>
-              <a:rPr lang="en-US" smtClean="0"/>
+              <a:rPr lang="en-US"/>
               <a:t>Third level</a:t>
             </a:r>
           </a:p>
           <a:p>
             <a:pPr lvl="3"/>
             <a:r>
-              <a:rPr lang="en-US" smtClean="0"/>
+              <a:rPr lang="en-US"/>
               <a:t>Fourth level</a:t>
             </a:r>
           </a:p>
           <a:p>
             <a:pPr lvl="4"/>
             <a:r>
-              <a:rPr lang="en-US" smtClean="0"/>
+              <a:rPr lang="en-US"/>
               <a:t>Fifth level</a:t>
             </a:r>
-            <a:endParaRPr lang="en-US"/>
           </a:p>
         </p:txBody>
       </p:sp>
@@ -665,7 +659,7 @@
           <a:p>
             <a:fld id="{5BCAD085-E8A6-8845-BD4E-CB4CCA059FC4}" type="datetimeFigureOut">
               <a:rPr lang="en-US" smtClean="0"/>
-              <a:t>10-Nov-25</a:t>
+              <a:t>11/12/25</a:t>
             </a:fld>
             <a:endParaRPr lang="en-US"/>
           </a:p>
@@ -759,10 +753,9 @@
           <a:lstStyle/>
           <a:p>
             <a:r>
-              <a:rPr lang="en-US" smtClean="0"/>
+              <a:rPr lang="en-US"/>
               <a:t>Click to edit Master title style</a:t>
             </a:r>
-            <a:endParaRPr lang="en-US"/>
           </a:p>
         </p:txBody>
       </p:sp>
@@ -783,38 +776,37 @@
           <a:p>
             <a:pPr lvl="0"/>
             <a:r>
-              <a:rPr lang="en-US" smtClean="0"/>
+              <a:rPr lang="en-US"/>
               <a:t>Click to edit Master text styles</a:t>
             </a:r>
           </a:p>
           <a:p>
             <a:pPr lvl="1"/>
             <a:r>
-              <a:rPr lang="en-US" smtClean="0"/>
+              <a:rPr lang="en-US"/>
               <a:t>Second level</a:t>
             </a:r>
           </a:p>
           <a:p>
             <a:pPr lvl="2"/>
             <a:r>
-              <a:rPr lang="en-US" smtClean="0"/>
+              <a:rPr lang="en-US"/>
               <a:t>Third level</a:t>
             </a:r>
           </a:p>
           <a:p>
             <a:pPr lvl="3"/>
             <a:r>
-              <a:rPr lang="en-US" smtClean="0"/>
+              <a:rPr lang="en-US"/>
               <a:t>Fourth level</a:t>
             </a:r>
           </a:p>
           <a:p>
             <a:pPr lvl="4"/>
             <a:r>
-              <a:rPr lang="en-US" smtClean="0"/>
+              <a:rPr lang="en-US"/>
               <a:t>Fifth level</a:t>
             </a:r>
-            <a:endParaRPr lang="en-US"/>
           </a:p>
         </p:txBody>
       </p:sp>
@@ -835,7 +827,7 @@
           <a:p>
             <a:fld id="{5BCAD085-E8A6-8845-BD4E-CB4CCA059FC4}" type="datetimeFigureOut">
               <a:rPr lang="en-US" smtClean="0"/>
-              <a:t>10-Nov-25</a:t>
+              <a:t>11/12/25</a:t>
             </a:fld>
             <a:endParaRPr lang="en-US"/>
           </a:p>
@@ -938,10 +930,9 @@
           </a:lstStyle>
           <a:p>
             <a:r>
-              <a:rPr lang="en-US" smtClean="0"/>
+              <a:rPr lang="en-US"/>
               <a:t>Click to edit Master title style</a:t>
             </a:r>
-            <a:endParaRPr lang="en-US"/>
           </a:p>
         </p:txBody>
       </p:sp>
@@ -1058,7 +1049,7 @@
           <a:p>
             <a:pPr lvl="0"/>
             <a:r>
-              <a:rPr lang="en-US" smtClean="0"/>
+              <a:rPr lang="en-US"/>
               <a:t>Click to edit Master text styles</a:t>
             </a:r>
           </a:p>
@@ -1081,7 +1072,7 @@
           <a:p>
             <a:fld id="{5BCAD085-E8A6-8845-BD4E-CB4CCA059FC4}" type="datetimeFigureOut">
               <a:rPr lang="en-US" smtClean="0"/>
-              <a:t>10-Nov-25</a:t>
+              <a:t>11/12/25</a:t>
             </a:fld>
             <a:endParaRPr lang="en-US"/>
           </a:p>
@@ -1175,10 +1166,9 @@
           <a:lstStyle/>
           <a:p>
             <a:r>
-              <a:rPr lang="en-US" smtClean="0"/>
+              <a:rPr lang="en-US"/>
               <a:t>Click to edit Master title style</a:t>
             </a:r>
-            <a:endParaRPr lang="en-US"/>
           </a:p>
         </p:txBody>
       </p:sp>
@@ -1232,38 +1222,37 @@
           <a:p>
             <a:pPr lvl="0"/>
             <a:r>
-              <a:rPr lang="en-US" smtClean="0"/>
+              <a:rPr lang="en-US"/>
               <a:t>Click to edit Master text styles</a:t>
             </a:r>
           </a:p>
           <a:p>
             <a:pPr lvl="1"/>
             <a:r>
-              <a:rPr lang="en-US" smtClean="0"/>
+              <a:rPr lang="en-US"/>
               <a:t>Second level</a:t>
             </a:r>
           </a:p>
           <a:p>
             <a:pPr lvl="2"/>
             <a:r>
-              <a:rPr lang="en-US" smtClean="0"/>
+              <a:rPr lang="en-US"/>
               <a:t>Third level</a:t>
             </a:r>
           </a:p>
           <a:p>
             <a:pPr lvl="3"/>
             <a:r>
-              <a:rPr lang="en-US" smtClean="0"/>
+              <a:rPr lang="en-US"/>
               <a:t>Fourth level</a:t>
             </a:r>
           </a:p>
           <a:p>
             <a:pPr lvl="4"/>
             <a:r>
-              <a:rPr lang="en-US" smtClean="0"/>
+              <a:rPr lang="en-US"/>
               <a:t>Fifth level</a:t>
             </a:r>
-            <a:endParaRPr lang="en-US"/>
           </a:p>
         </p:txBody>
       </p:sp>
@@ -1317,38 +1306,37 @@
           <a:p>
             <a:pPr lvl="0"/>
             <a:r>
-              <a:rPr lang="en-US" smtClean="0"/>
+              <a:rPr lang="en-US"/>
               <a:t>Click to edit Master text styles</a:t>
             </a:r>
           </a:p>
           <a:p>
             <a:pPr lvl="1"/>
             <a:r>
-              <a:rPr lang="en-US" smtClean="0"/>
+              <a:rPr lang="en-US"/>
               <a:t>Second level</a:t>
             </a:r>
           </a:p>
           <a:p>
             <a:pPr lvl="2"/>
             <a:r>
-              <a:rPr lang="en-US" smtClean="0"/>
+              <a:rPr lang="en-US"/>
               <a:t>Third level</a:t>
             </a:r>
           </a:p>
           <a:p>
             <a:pPr lvl="3"/>
             <a:r>
-              <a:rPr lang="en-US" smtClean="0"/>
+              <a:rPr lang="en-US"/>
               <a:t>Fourth level</a:t>
             </a:r>
           </a:p>
           <a:p>
             <a:pPr lvl="4"/>
             <a:r>
-              <a:rPr lang="en-US" smtClean="0"/>
+              <a:rPr lang="en-US"/>
               <a:t>Fifth level</a:t>
             </a:r>
-            <a:endParaRPr lang="en-US"/>
           </a:p>
         </p:txBody>
       </p:sp>
@@ -1369,7 +1357,7 @@
           <a:p>
             <a:fld id="{5BCAD085-E8A6-8845-BD4E-CB4CCA059FC4}" type="datetimeFigureOut">
               <a:rPr lang="en-US" smtClean="0"/>
-              <a:t>10-Nov-25</a:t>
+              <a:t>11/12/25</a:t>
             </a:fld>
             <a:endParaRPr lang="en-US"/>
           </a:p>
@@ -1467,10 +1455,9 @@
           </a:lstStyle>
           <a:p>
             <a:r>
-              <a:rPr lang="en-US" smtClean="0"/>
+              <a:rPr lang="en-US"/>
               <a:t>Click to edit Master title style</a:t>
             </a:r>
-            <a:endParaRPr lang="en-US"/>
           </a:p>
         </p:txBody>
       </p:sp>
@@ -1533,7 +1520,7 @@
           <a:p>
             <a:pPr lvl="0"/>
             <a:r>
-              <a:rPr lang="en-US" smtClean="0"/>
+              <a:rPr lang="en-US"/>
               <a:t>Click to edit Master text styles</a:t>
             </a:r>
           </a:p>
@@ -1589,38 +1576,37 @@
           <a:p>
             <a:pPr lvl="0"/>
             <a:r>
-              <a:rPr lang="en-US" smtClean="0"/>
+              <a:rPr lang="en-US"/>
               <a:t>Click to edit Master text styles</a:t>
             </a:r>
           </a:p>
           <a:p>
             <a:pPr lvl="1"/>
             <a:r>
-              <a:rPr lang="en-US" smtClean="0"/>
+              <a:rPr lang="en-US"/>
               <a:t>Second level</a:t>
             </a:r>
           </a:p>
           <a:p>
             <a:pPr lvl="2"/>
             <a:r>
-              <a:rPr lang="en-US" smtClean="0"/>
+              <a:rPr lang="en-US"/>
               <a:t>Third level</a:t>
             </a:r>
           </a:p>
           <a:p>
             <a:pPr lvl="3"/>
             <a:r>
-              <a:rPr lang="en-US" smtClean="0"/>
+              <a:rPr lang="en-US"/>
               <a:t>Fourth level</a:t>
             </a:r>
           </a:p>
           <a:p>
             <a:pPr lvl="4"/>
             <a:r>
-              <a:rPr lang="en-US" smtClean="0"/>
+              <a:rPr lang="en-US"/>
               <a:t>Fifth level</a:t>
             </a:r>
-            <a:endParaRPr lang="en-US"/>
           </a:p>
         </p:txBody>
       </p:sp>
@@ -1683,7 +1669,7 @@
           <a:p>
             <a:pPr lvl="0"/>
             <a:r>
-              <a:rPr lang="en-US" smtClean="0"/>
+              <a:rPr lang="en-US"/>
               <a:t>Click to edit Master text styles</a:t>
             </a:r>
           </a:p>
@@ -1739,38 +1725,37 @@
           <a:p>
             <a:pPr lvl="0"/>
             <a:r>
-              <a:rPr lang="en-US" smtClean="0"/>
+              <a:rPr lang="en-US"/>
               <a:t>Click to edit Master text styles</a:t>
             </a:r>
           </a:p>
           <a:p>
             <a:pPr lvl="1"/>
             <a:r>
-              <a:rPr lang="en-US" smtClean="0"/>
+              <a:rPr lang="en-US"/>
               <a:t>Second level</a:t>
             </a:r>
           </a:p>
           <a:p>
             <a:pPr lvl="2"/>
             <a:r>
-              <a:rPr lang="en-US" smtClean="0"/>
+              <a:rPr lang="en-US"/>
               <a:t>Third level</a:t>
             </a:r>
           </a:p>
           <a:p>
             <a:pPr lvl="3"/>
             <a:r>
-              <a:rPr lang="en-US" smtClean="0"/>
+              <a:rPr lang="en-US"/>
               <a:t>Fourth level</a:t>
             </a:r>
           </a:p>
           <a:p>
             <a:pPr lvl="4"/>
             <a:r>
-              <a:rPr lang="en-US" smtClean="0"/>
+              <a:rPr lang="en-US"/>
               <a:t>Fifth level</a:t>
             </a:r>
-            <a:endParaRPr lang="en-US"/>
           </a:p>
         </p:txBody>
       </p:sp>
@@ -1791,7 +1776,7 @@
           <a:p>
             <a:fld id="{5BCAD085-E8A6-8845-BD4E-CB4CCA059FC4}" type="datetimeFigureOut">
               <a:rPr lang="en-US" smtClean="0"/>
-              <a:t>10-Nov-25</a:t>
+              <a:t>11/12/25</a:t>
             </a:fld>
             <a:endParaRPr lang="en-US"/>
           </a:p>
@@ -1885,10 +1870,9 @@
           <a:lstStyle/>
           <a:p>
             <a:r>
-              <a:rPr lang="en-US" smtClean="0"/>
+              <a:rPr lang="en-US"/>
               <a:t>Click to edit Master title style</a:t>
             </a:r>
-            <a:endParaRPr lang="en-US"/>
           </a:p>
         </p:txBody>
       </p:sp>
@@ -1909,7 +1893,7 @@
           <a:p>
             <a:fld id="{5BCAD085-E8A6-8845-BD4E-CB4CCA059FC4}" type="datetimeFigureOut">
               <a:rPr lang="en-US" smtClean="0"/>
-              <a:t>10-Nov-25</a:t>
+              <a:t>11/12/25</a:t>
             </a:fld>
             <a:endParaRPr lang="en-US"/>
           </a:p>
@@ -2004,7 +1988,7 @@
           <a:p>
             <a:fld id="{5BCAD085-E8A6-8845-BD4E-CB4CCA059FC4}" type="datetimeFigureOut">
               <a:rPr lang="en-US" smtClean="0"/>
-              <a:t>10-Nov-25</a:t>
+              <a:t>11/12/25</a:t>
             </a:fld>
             <a:endParaRPr lang="en-US"/>
           </a:p>
@@ -2107,10 +2091,9 @@
           </a:lstStyle>
           <a:p>
             <a:r>
-              <a:rPr lang="en-US" smtClean="0"/>
+              <a:rPr lang="en-US"/>
               <a:t>Click to edit Master title style</a:t>
             </a:r>
-            <a:endParaRPr lang="en-US"/>
           </a:p>
         </p:txBody>
       </p:sp>
@@ -2164,38 +2147,37 @@
           <a:p>
             <a:pPr lvl="0"/>
             <a:r>
-              <a:rPr lang="en-US" smtClean="0"/>
+              <a:rPr lang="en-US"/>
               <a:t>Click to edit Master text styles</a:t>
             </a:r>
           </a:p>
           <a:p>
             <a:pPr lvl="1"/>
             <a:r>
-              <a:rPr lang="en-US" smtClean="0"/>
+              <a:rPr lang="en-US"/>
               <a:t>Second level</a:t>
             </a:r>
           </a:p>
           <a:p>
             <a:pPr lvl="2"/>
             <a:r>
-              <a:rPr lang="en-US" smtClean="0"/>
+              <a:rPr lang="en-US"/>
               <a:t>Third level</a:t>
             </a:r>
           </a:p>
           <a:p>
             <a:pPr lvl="3"/>
             <a:r>
-              <a:rPr lang="en-US" smtClean="0"/>
+              <a:rPr lang="en-US"/>
               <a:t>Fourth level</a:t>
             </a:r>
           </a:p>
           <a:p>
             <a:pPr lvl="4"/>
             <a:r>
-              <a:rPr lang="en-US" smtClean="0"/>
+              <a:rPr lang="en-US"/>
               <a:t>Fifth level</a:t>
             </a:r>
-            <a:endParaRPr lang="en-US"/>
           </a:p>
         </p:txBody>
       </p:sp>
@@ -2258,7 +2240,7 @@
           <a:p>
             <a:pPr lvl="0"/>
             <a:r>
-              <a:rPr lang="en-US" smtClean="0"/>
+              <a:rPr lang="en-US"/>
               <a:t>Click to edit Master text styles</a:t>
             </a:r>
           </a:p>
@@ -2281,7 +2263,7 @@
           <a:p>
             <a:fld id="{5BCAD085-E8A6-8845-BD4E-CB4CCA059FC4}" type="datetimeFigureOut">
               <a:rPr lang="en-US" smtClean="0"/>
-              <a:t>10-Nov-25</a:t>
+              <a:t>11/12/25</a:t>
             </a:fld>
             <a:endParaRPr lang="en-US"/>
           </a:p>
@@ -2384,10 +2366,9 @@
           </a:lstStyle>
           <a:p>
             <a:r>
-              <a:rPr lang="en-US" smtClean="0"/>
+              <a:rPr lang="en-US"/>
               <a:t>Click to edit Master title style</a:t>
             </a:r>
-            <a:endParaRPr lang="en-US"/>
           </a:p>
         </p:txBody>
       </p:sp>
@@ -2511,7 +2492,7 @@
           <a:p>
             <a:pPr lvl="0"/>
             <a:r>
-              <a:rPr lang="en-US" smtClean="0"/>
+              <a:rPr lang="en-US"/>
               <a:t>Click to edit Master text styles</a:t>
             </a:r>
           </a:p>
@@ -2534,7 +2515,7 @@
           <a:p>
             <a:fld id="{5BCAD085-E8A6-8845-BD4E-CB4CCA059FC4}" type="datetimeFigureOut">
               <a:rPr lang="en-US" smtClean="0"/>
-              <a:t>10-Nov-25</a:t>
+              <a:t>11/12/25</a:t>
             </a:fld>
             <a:endParaRPr lang="en-US"/>
           </a:p>
@@ -2643,10 +2624,9 @@
           <a:lstStyle/>
           <a:p>
             <a:r>
-              <a:rPr lang="en-US" smtClean="0"/>
+              <a:rPr lang="en-US"/>
               <a:t>Click to edit Master title style</a:t>
             </a:r>
-            <a:endParaRPr lang="en-US"/>
           </a:p>
         </p:txBody>
       </p:sp>
@@ -2677,38 +2657,37 @@
           <a:p>
             <a:pPr lvl="0"/>
             <a:r>
-              <a:rPr lang="en-US" smtClean="0"/>
+              <a:rPr lang="en-US"/>
               <a:t>Click to edit Master text styles</a:t>
             </a:r>
           </a:p>
           <a:p>
             <a:pPr lvl="1"/>
             <a:r>
-              <a:rPr lang="en-US" smtClean="0"/>
+              <a:rPr lang="en-US"/>
               <a:t>Second level</a:t>
             </a:r>
           </a:p>
           <a:p>
             <a:pPr lvl="2"/>
             <a:r>
-              <a:rPr lang="en-US" smtClean="0"/>
+              <a:rPr lang="en-US"/>
               <a:t>Third level</a:t>
             </a:r>
           </a:p>
           <a:p>
             <a:pPr lvl="3"/>
             <a:r>
-              <a:rPr lang="en-US" smtClean="0"/>
+              <a:rPr lang="en-US"/>
               <a:t>Fourth level</a:t>
             </a:r>
           </a:p>
           <a:p>
             <a:pPr lvl="4"/>
             <a:r>
-              <a:rPr lang="en-US" smtClean="0"/>
+              <a:rPr lang="en-US"/>
               <a:t>Fifth level</a:t>
             </a:r>
-            <a:endParaRPr lang="en-US"/>
           </a:p>
         </p:txBody>
       </p:sp>
@@ -2747,7 +2726,7 @@
           <a:p>
             <a:fld id="{5BCAD085-E8A6-8845-BD4E-CB4CCA059FC4}" type="datetimeFigureOut">
               <a:rPr lang="en-US" smtClean="0"/>
-              <a:t>10-Nov-25</a:t>
+              <a:t>11/12/25</a:t>
             </a:fld>
             <a:endParaRPr lang="en-US"/>
           </a:p>
@@ -3285,23 +3264,15 @@
             </a:pPr>
             <a:r>
               <a:rPr dirty="0"/>
-              <a:t>VIP Program | Purdue University | November </a:t>
-            </a:r>
-            <a:r>
-              <a:rPr dirty="0" smtClean="0"/>
-              <a:t>1</a:t>
-            </a:r>
-            <a:r>
-              <a:rPr lang="en-US" dirty="0" smtClean="0"/>
+              <a:t>VIP Program | Purdue University | November 1</a:t>
+            </a:r>
+            <a:r>
+              <a:rPr lang="en-US" dirty="0"/>
               <a:t>8</a:t>
             </a:r>
             <a:r>
-              <a:rPr dirty="0" smtClean="0"/>
-              <a:t>, </a:t>
-            </a:r>
-            <a:r>
               <a:rPr dirty="0"/>
-              <a:t>2025</a:t>
+              <a:t>, 2025</a:t>
             </a:r>
           </a:p>
         </p:txBody>
@@ -3606,13 +3577,8 @@
             </a:pPr>
             <a:r>
               <a:rPr sz="2400" dirty="0"/>
-              <a:t>• College of </a:t>
-            </a:r>
-            <a:r>
-              <a:rPr sz="2400" dirty="0" smtClean="0"/>
-              <a:t>Engineering</a:t>
-            </a:r>
-            <a:endParaRPr sz="2400" dirty="0"/>
+              <a:t>• College of Engineering</a:t>
+            </a:r>
           </a:p>
         </p:txBody>
       </p:sp>
@@ -3760,15 +3726,7 @@
             </a:pPr>
             <a:r>
               <a:rPr dirty="0"/>
-              <a:t>The Problem: Managing </a:t>
-            </a:r>
-            <a:r>
-              <a:rPr dirty="0" smtClean="0"/>
-              <a:t>Massive </a:t>
-            </a:r>
-            <a:r>
-              <a:rPr dirty="0"/>
-              <a:t>Road Data</a:t>
+              <a:t>The Problem: Managing Massive Road Data</a:t>
             </a:r>
           </a:p>
         </p:txBody>
@@ -3814,16 +3772,12 @@
               <a:defRPr sz="1800"/>
             </a:pPr>
             <a:r>
-              <a:rPr lang="en-US" sz="2400" dirty="0" smtClean="0"/>
+              <a:rPr lang="en-US" sz="2400" dirty="0"/>
               <a:t>- </a:t>
             </a:r>
             <a:r>
-              <a:rPr sz="2400" dirty="0" smtClean="0"/>
-              <a:t>Computer </a:t>
-            </a:r>
-            <a:r>
               <a:rPr sz="2400" dirty="0"/>
-              <a:t>vision for road detection generates massive data volumes</a:t>
+              <a:t>Computer vision for road detection generates massive data volumes</a:t>
             </a:r>
           </a:p>
           <a:p>
@@ -3834,16 +3788,12 @@
               <a:defRPr sz="1800"/>
             </a:pPr>
             <a:r>
-              <a:rPr lang="en-US" sz="2400" dirty="0" smtClean="0"/>
+              <a:rPr lang="en-US" sz="2400" dirty="0"/>
               <a:t>- </a:t>
             </a:r>
             <a:r>
-              <a:rPr sz="2400" dirty="0" smtClean="0"/>
-              <a:t>Our </a:t>
-            </a:r>
-            <a:r>
               <a:rPr sz="2400" dirty="0"/>
-              <a:t>project: 2.9 million images with 2 million classifications</a:t>
+              <a:t>Our project: 2.9 million images with 2 million classifications</a:t>
             </a:r>
           </a:p>
           <a:p>
@@ -3854,16 +3804,12 @@
               <a:defRPr sz="1800"/>
             </a:pPr>
             <a:r>
-              <a:rPr lang="en-US" sz="2400" dirty="0" smtClean="0"/>
+              <a:rPr lang="en-US" sz="2400" dirty="0"/>
               <a:t>- </a:t>
             </a:r>
             <a:r>
-              <a:rPr sz="2400" dirty="0" smtClean="0"/>
-              <a:t>Data </a:t>
-            </a:r>
-            <a:r>
               <a:rPr sz="2400" dirty="0"/>
-              <a:t>spread across 2,624 road segments in Fort Wayne, IN</a:t>
+              <a:t>Data spread across 2,624 road segments in Fort Wayne, IN</a:t>
             </a:r>
           </a:p>
           <a:p>
@@ -3874,16 +3820,12 @@
               <a:defRPr sz="1800"/>
             </a:pPr>
             <a:r>
-              <a:rPr lang="en-US" sz="2400" dirty="0" smtClean="0"/>
+              <a:rPr lang="en-US" sz="2400" dirty="0"/>
               <a:t>- </a:t>
             </a:r>
             <a:r>
-              <a:rPr sz="2400" dirty="0" smtClean="0"/>
-              <a:t>Need </a:t>
-            </a:r>
-            <a:r>
               <a:rPr sz="2400" dirty="0"/>
-              <a:t>to efficiently store, query, and visualize relationships:</a:t>
+              <a:t>Need to efficiently store, query, and visualize relationships:</a:t>
             </a:r>
           </a:p>
           <a:p>
@@ -3899,15 +3841,11 @@
             </a:r>
           </a:p>
           <a:p>
-            <a:r>
-              <a:rPr sz="2400" dirty="0"/>
-              <a:t/>
-            </a:r>
             <a:br>
               <a:rPr sz="2400" dirty="0"/>
             </a:br>
             <a:r>
-              <a:rPr lang="en-US" sz="2400" dirty="0" smtClean="0"/>
+              <a:rPr lang="en-US" sz="2400" dirty="0"/>
               <a:t> </a:t>
             </a:r>
             <a:r>
@@ -3919,12 +3857,8 @@
               <a:t> </a:t>
             </a:r>
             <a:r>
-              <a:rPr sz="2400" b="1" dirty="0" smtClean="0"/>
-              <a:t>How </a:t>
-            </a:r>
-            <a:r>
               <a:rPr sz="2400" b="1" dirty="0"/>
-              <a:t>do we manage this at scale while enabling ML workflows?</a:t>
+              <a:t>How do we manage this at scale while enabling ML workflows?</a:t>
             </a:r>
           </a:p>
         </p:txBody>
@@ -4097,16 +4031,12 @@
               <a:t> Dashboard: Interactive web app with </a:t>
             </a:r>
             <a:r>
-              <a:rPr lang="en-US" sz="2400" dirty="0" smtClean="0"/>
+              <a:rPr lang="en-US" sz="2400" dirty="0"/>
               <a:t>Tableau</a:t>
             </a:r>
             <a:r>
-              <a:rPr sz="2400" dirty="0" smtClean="0"/>
-              <a:t> </a:t>
-            </a:r>
-            <a:r>
               <a:rPr sz="2400" dirty="0"/>
-              <a:t>embedding</a:t>
+              <a:t> embedding</a:t>
             </a:r>
           </a:p>
           <a:p>
@@ -4259,13 +4189,6 @@
   <p:clrMapOvr>
     <a:masterClrMapping/>
   </p:clrMapOvr>
-  <p:timing>
-    <p:tnLst>
-      <p:par>
-        <p:cTn id="1" dur="indefinite" restart="never" nodeType="tmRoot"/>
-      </p:par>
-    </p:tnLst>
-  </p:timing>
 </p:sld>
 </file>
 
@@ -4356,16 +4279,12 @@
               <a:defRPr sz="1500"/>
             </a:pPr>
             <a:r>
-              <a:rPr lang="en-US" sz="2400" dirty="0" smtClean="0"/>
+              <a:rPr lang="en-US" sz="2400" dirty="0"/>
               <a:t>- </a:t>
             </a:r>
             <a:r>
-              <a:rPr sz="2400" dirty="0" smtClean="0"/>
-              <a:t>4 </a:t>
-            </a:r>
-            <a:r>
               <a:rPr sz="2400" dirty="0"/>
-              <a:t>JSON files (315 MB total)</a:t>
+              <a:t>4 JSON files (315 MB total)</a:t>
             </a:r>
           </a:p>
           <a:p>
@@ -4376,11 +4295,11 @@
               <a:defRPr sz="1500"/>
             </a:pPr>
             <a:r>
-              <a:rPr lang="en-US" sz="2400" dirty="0" smtClean="0"/>
+              <a:rPr lang="en-US" sz="2400" dirty="0"/>
               <a:t>f</a:t>
             </a:r>
             <a:r>
-              <a:rPr sz="2400" dirty="0" smtClean="0"/>
+              <a:rPr sz="2400" dirty="0"/>
               <a:t>rom </a:t>
             </a:r>
             <a:r>
@@ -4400,16 +4319,12 @@
               <a:defRPr sz="1500"/>
             </a:pPr>
             <a:r>
-              <a:rPr lang="en-US" sz="2400" dirty="0" smtClean="0"/>
+              <a:rPr lang="en-US" sz="2400" dirty="0"/>
               <a:t> - </a:t>
             </a:r>
             <a:r>
-              <a:rPr sz="2400" dirty="0" smtClean="0"/>
-              <a:t>2.9M </a:t>
-            </a:r>
-            <a:r>
               <a:rPr sz="2400" dirty="0"/>
-              <a:t>images (color + depth)</a:t>
+              <a:t>2.9M images (color + depth)</a:t>
             </a:r>
           </a:p>
           <a:p>
@@ -4420,78 +4335,57 @@
               <a:defRPr sz="1500"/>
             </a:pPr>
             <a:r>
-              <a:rPr lang="en-US" sz="2400" dirty="0" smtClean="0"/>
+              <a:rPr lang="en-US" sz="2400" dirty="0"/>
               <a:t>- </a:t>
             </a:r>
             <a:r>
-              <a:rPr sz="2400" dirty="0" smtClean="0"/>
-              <a:t>8 </a:t>
-            </a:r>
-            <a:r>
               <a:rPr sz="2400" dirty="0"/>
-              <a:t>classification </a:t>
-            </a:r>
-            <a:r>
-              <a:rPr sz="2400" dirty="0" smtClean="0"/>
-              <a:t>categories:</a:t>
-            </a:r>
-            <a:r>
-              <a:rPr lang="en-US" sz="2400" dirty="0" smtClean="0"/>
+              <a:t>8 classification categories:</a:t>
+            </a:r>
+            <a:r>
+              <a:rPr lang="en-US" sz="2400" dirty="0"/>
               <a:t> </a:t>
             </a:r>
             <a:r>
-              <a:rPr sz="2400" dirty="0" smtClean="0"/>
-              <a:t>Alligator</a:t>
-            </a:r>
-            <a:r>
               <a:rPr sz="2400" dirty="0"/>
-              <a:t>, </a:t>
-            </a:r>
-            <a:r>
-              <a:rPr sz="2400" dirty="0" smtClean="0"/>
-              <a:t>Health,</a:t>
-            </a:r>
-            <a:r>
-              <a:rPr lang="en-US" sz="2400" dirty="0" smtClean="0"/>
+              <a:t>Alligator, Health,</a:t>
+            </a:r>
+            <a:r>
+              <a:rPr lang="en-US" sz="2400" dirty="0"/>
               <a:t> </a:t>
             </a:r>
             <a:r>
-              <a:rPr sz="2400" dirty="0" smtClean="0"/>
+              <a:rPr sz="2400" dirty="0"/>
               <a:t>Longitudinal,</a:t>
             </a:r>
             <a:r>
-              <a:rPr lang="en-US" sz="2400" dirty="0" smtClean="0"/>
+              <a:rPr lang="en-US" sz="2400" dirty="0"/>
               <a:t> </a:t>
             </a:r>
             <a:r>
-              <a:rPr sz="2400" dirty="0" smtClean="0"/>
+              <a:rPr sz="2400" dirty="0"/>
               <a:t>Manhole,</a:t>
             </a:r>
             <a:r>
-              <a:rPr lang="en-US" sz="2400" dirty="0" smtClean="0"/>
+              <a:rPr lang="en-US" sz="2400" dirty="0"/>
               <a:t> </a:t>
             </a:r>
             <a:r>
-              <a:rPr sz="2400" dirty="0" err="1" smtClean="0"/>
+              <a:rPr sz="2400" dirty="0" err="1"/>
               <a:t>Openjoint</a:t>
             </a:r>
             <a:r>
               <a:rPr sz="2400" dirty="0"/>
-              <a:t>, SD, </a:t>
-            </a:r>
-            <a:r>
-              <a:rPr sz="2400" dirty="0" smtClean="0"/>
-              <a:t>Sealed,</a:t>
-            </a:r>
-            <a:r>
-              <a:rPr lang="en-US" sz="2400" dirty="0" smtClean="0"/>
+              <a:t>, SD, Sealed,</a:t>
+            </a:r>
+            <a:r>
+              <a:rPr lang="en-US" sz="2400" dirty="0"/>
               <a:t> </a:t>
             </a:r>
             <a:r>
-              <a:rPr sz="2400" dirty="0" smtClean="0"/>
+              <a:rPr sz="2400" dirty="0"/>
               <a:t>Transverse</a:t>
             </a:r>
-            <a:endParaRPr sz="2400" dirty="0"/>
           </a:p>
         </p:txBody>
       </p:sp>
@@ -4628,7 +4522,7 @@
               <a:t>6. Upload to </a:t>
             </a:r>
             <a:r>
-              <a:rPr sz="2400" dirty="0" err="1" smtClean="0"/>
+              <a:rPr sz="2400" dirty="0" err="1"/>
               <a:t>BigQuery</a:t>
             </a:r>
             <a:endParaRPr sz="2400" dirty="0"/>
@@ -4656,13 +4550,6 @@
   <p:clrMapOvr>
     <a:masterClrMapping/>
   </p:clrMapOvr>
-  <p:timing>
-    <p:tnLst>
-      <p:par>
-        <p:cTn id="1" dur="indefinite" restart="never" nodeType="tmRoot"/>
-      </p:par>
-    </p:tnLst>
-  </p:timing>
 </p:sld>
 </file>
 
@@ -4792,29 +4679,17 @@
             </a:pPr>
             <a:r>
               <a:rPr dirty="0"/>
-              <a:t>✓ 2,862,839 total images </a:t>
-            </a:r>
-            <a:r>
-              <a:rPr dirty="0" smtClean="0"/>
-              <a:t>processed</a:t>
-            </a:r>
-            <a:r>
-              <a:rPr lang="en-US" dirty="0" smtClean="0"/>
+              <a:t>✓ 2,862,839 total images processed</a:t>
+            </a:r>
+            <a:r>
+              <a:rPr lang="en-US" dirty="0"/>
               <a:t>  			</a:t>
             </a:r>
             <a:r>
-              <a:rPr dirty="0" smtClean="0"/>
-              <a:t>✓ </a:t>
-            </a:r>
-            <a:r>
               <a:rPr dirty="0"/>
-              <a:t>2,037,930 classifications </a:t>
-            </a:r>
-            <a:r>
-              <a:rPr dirty="0" smtClean="0"/>
-              <a:t>generated</a:t>
-            </a:r>
-            <a:endParaRPr lang="en-US" dirty="0" smtClean="0"/>
+              <a:t>✓ 2,037,930 classifications generated</a:t>
+            </a:r>
+            <a:endParaRPr lang="en-US" dirty="0"/>
           </a:p>
           <a:p>
             <a:pPr>
@@ -4824,28 +4699,16 @@
               <a:defRPr sz="1500" b="1"/>
             </a:pPr>
             <a:r>
-              <a:rPr dirty="0" smtClean="0"/>
-              <a:t>✓ </a:t>
-            </a:r>
-            <a:r>
               <a:rPr dirty="0"/>
-              <a:t>2,624 road segments across Fort </a:t>
-            </a:r>
-            <a:r>
-              <a:rPr dirty="0" smtClean="0"/>
-              <a:t>Wayne</a:t>
-            </a:r>
-            <a:r>
-              <a:rPr lang="en-US" dirty="0" smtClean="0"/>
+              <a:t>✓ 2,624 road segments across Fort Wayne</a:t>
+            </a:r>
+            <a:r>
+              <a:rPr lang="en-US" dirty="0"/>
               <a:t> 		</a:t>
             </a:r>
             <a:r>
-              <a:rPr dirty="0" smtClean="0"/>
-              <a:t>✓ </a:t>
-            </a:r>
-            <a:r>
               <a:rPr dirty="0"/>
-              <a:t>3,557 driving sessions</a:t>
+              <a:t>✓ 3,557 driving sessions</a:t>
             </a:r>
           </a:p>
         </p:txBody>
@@ -4885,13 +4748,6 @@
   <p:clrMapOvr>
     <a:masterClrMapping/>
   </p:clrMapOvr>
-  <p:timing>
-    <p:tnLst>
-      <p:par>
-        <p:cTn id="1" dur="indefinite" restart="never" nodeType="tmRoot"/>
-      </p:par>
-    </p:tnLst>
-  </p:timing>
 </p:sld>
 </file>
 
@@ -5021,18 +4877,14 @@
             </a:pPr>
             <a:r>
               <a:rPr dirty="0"/>
-              <a:t>• Simple queries: &lt;</a:t>
-            </a:r>
-            <a:r>
-              <a:rPr dirty="0" smtClean="0"/>
-              <a:t>0.5s</a:t>
-            </a:r>
-            <a:r>
-              <a:rPr lang="en-US" dirty="0" smtClean="0"/>
+              <a:t>• Simple queries: &lt;0.5s</a:t>
+            </a:r>
+            <a:r>
+              <a:rPr lang="en-US" dirty="0"/>
               <a:t>				</a:t>
             </a:r>
             <a:r>
-              <a:rPr lang="fr-FR" dirty="0" smtClean="0"/>
+              <a:rPr lang="fr-FR" dirty="0"/>
               <a:t>• </a:t>
             </a:r>
             <a:r>
@@ -5049,14 +4901,10 @@
             </a:r>
             <a:r>
               <a:rPr lang="fr-FR" dirty="0"/>
-              <a:t> (2.9M images</a:t>
-            </a:r>
-            <a:r>
-              <a:rPr lang="fr-FR" dirty="0" smtClean="0"/>
-              <a:t>)</a:t>
-            </a:r>
-            <a:r>
-              <a:rPr lang="en-US" dirty="0" smtClean="0"/>
+              <a:t> (2.9M images)</a:t>
+            </a:r>
+            <a:r>
+              <a:rPr lang="en-US" dirty="0"/>
               <a:t>			</a:t>
             </a:r>
           </a:p>
@@ -5068,26 +4916,17 @@
               <a:defRPr sz="1600"/>
             </a:pPr>
             <a:r>
-              <a:rPr dirty="0" smtClean="0"/>
+              <a:rPr dirty="0"/>
               <a:t>• Complex 6-way JOINs: &lt;5s</a:t>
             </a:r>
             <a:r>
-              <a:rPr lang="en-US" dirty="0" smtClean="0"/>
+              <a:rPr lang="en-US" dirty="0"/>
               <a:t>			</a:t>
             </a:r>
             <a:r>
-              <a:rPr dirty="0" smtClean="0"/>
-              <a:t>• </a:t>
-            </a:r>
-            <a:r>
               <a:rPr dirty="0"/>
-              <a:t>Columnar storage optimizes analytics </a:t>
-            </a:r>
-            <a:r>
-              <a:rPr dirty="0" smtClean="0"/>
-              <a:t>workloads</a:t>
-            </a:r>
-            <a:endParaRPr dirty="0"/>
+              <a:t>• Columnar storage optimizes analytics workloads</a:t>
+            </a:r>
           </a:p>
         </p:txBody>
       </p:sp>
@@ -5126,19 +4965,20 @@
   <p:clrMapOvr>
     <a:masterClrMapping/>
   </p:clrMapOvr>
-  <p:timing>
-    <p:tnLst>
-      <p:par>
-        <p:cTn id="1" dur="indefinite" restart="never" nodeType="tmRoot"/>
-      </p:par>
-    </p:tnLst>
-  </p:timing>
 </p:sld>
 </file>
 
 <file path=ppt/slides/slide8.xml><?xml version="1.0" encoding="utf-8"?>
 <p:sld xmlns:a="http://schemas.openxmlformats.org/drawingml/2006/main" xmlns:r="http://schemas.openxmlformats.org/officeDocument/2006/relationships" xmlns:p="http://schemas.openxmlformats.org/presentationml/2006/main">
   <p:cSld>
+    <p:bg>
+      <p:bgPr>
+        <a:solidFill>
+          <a:schemeClr val="bg1"/>
+        </a:solidFill>
+        <a:effectLst/>
+      </p:bgPr>
+    </p:bg>
     <p:spTree>
       <p:nvGrpSpPr>
         <p:cNvPr id="1" name=""/>
@@ -5153,6 +4993,1853 @@
           <a:chExt cx="0" cy="0"/>
         </a:xfrm>
       </p:grpSpPr>
+      <p:sp useBgFill="1">
+        <p:nvSpPr>
+          <p:cNvPr id="36" name="Rectangle 35">
+            <a:extLst>
+              <a:ext uri="{FF2B5EF4-FFF2-40B4-BE49-F238E27FC236}">
+                <a16:creationId xmlns:a16="http://schemas.microsoft.com/office/drawing/2014/main" id="{78BA5F19-D5E1-4ECC-BEC2-DF7AEDFD7C50}"/>
+              </a:ext>
+              <a:ext uri="{C183D7F6-B498-43B3-948B-1728B52AA6E4}">
+                <adec:decorative xmlns:adec="http://schemas.microsoft.com/office/drawing/2017/decorative" val="1"/>
+              </a:ext>
+            </a:extLst>
+          </p:cNvPr>
+          <p:cNvSpPr>
+            <a:spLocks noGrp="1" noRot="1" noChangeAspect="1" noMove="1" noResize="1" noEditPoints="1" noAdjustHandles="1" noChangeArrowheads="1" noChangeShapeType="1" noTextEdit="1"/>
+          </p:cNvSpPr>
+          <p:nvPr>
+            <p:extLst>
+              <p:ext uri="{386F3935-93C4-4BCD-93E2-E3B085C9AB24}">
+                <p16:designElem xmlns:p16="http://schemas.microsoft.com/office/powerpoint/2015/main" val="1"/>
+              </p:ext>
+            </p:extLst>
+          </p:nvPr>
+        </p:nvSpPr>
+        <p:spPr>
+          <a:xfrm>
+            <a:off x="0" y="0"/>
+            <a:ext cx="9144000" cy="6858000"/>
+          </a:xfrm>
+          <a:prstGeom prst="rect">
+            <a:avLst/>
+          </a:prstGeom>
+          <a:ln w="12700" cap="flat" cmpd="sng" algn="ctr">
+            <a:noFill/>
+            <a:prstDash val="solid"/>
+            <a:miter lim="800000"/>
+          </a:ln>
+          <a:effectLst/>
+          <a:extLst>
+            <a:ext uri="{91240B29-F687-4F45-9708-019B960494DF}">
+              <a14:hiddenLine xmlns:a14="http://schemas.microsoft.com/office/drawing/2010/main" w="12700" cap="flat" cmpd="sng" algn="ctr">
+                <a:solidFill>
+                  <a:schemeClr val="accent1">
+                    <a:shade val="50000"/>
+                  </a:schemeClr>
+                </a:solidFill>
+                <a:prstDash val="solid"/>
+                <a:miter lim="800000"/>
+              </a14:hiddenLine>
+            </a:ext>
+          </a:extLst>
+        </p:spPr>
+        <p:style>
+          <a:lnRef idx="2">
+            <a:schemeClr val="accent1">
+              <a:shade val="50000"/>
+            </a:schemeClr>
+          </a:lnRef>
+          <a:fillRef idx="1">
+            <a:schemeClr val="accent1"/>
+          </a:fillRef>
+          <a:effectRef idx="0">
+            <a:schemeClr val="accent1"/>
+          </a:effectRef>
+          <a:fontRef idx="minor">
+            <a:schemeClr val="lt1"/>
+          </a:fontRef>
+        </p:style>
+        <p:txBody>
+          <a:bodyPr rtlCol="0" anchor="ctr"/>
+          <a:lstStyle/>
+          <a:p>
+            <a:pPr algn="ctr"/>
+            <a:endParaRPr lang="en-US"/>
+          </a:p>
+        </p:txBody>
+      </p:sp>
+      <p:sp>
+        <p:nvSpPr>
+          <p:cNvPr id="38" name="Freeform: Shape 37">
+            <a:extLst>
+              <a:ext uri="{FF2B5EF4-FFF2-40B4-BE49-F238E27FC236}">
+                <a16:creationId xmlns:a16="http://schemas.microsoft.com/office/drawing/2014/main" id="{BB4D578A-F2C4-4EA9-A811-B48E66D63696}"/>
+              </a:ext>
+              <a:ext uri="{C183D7F6-B498-43B3-948B-1728B52AA6E4}">
+                <adec:decorative xmlns:adec="http://schemas.microsoft.com/office/drawing/2017/decorative" val="1"/>
+              </a:ext>
+            </a:extLst>
+          </p:cNvPr>
+          <p:cNvSpPr>
+            <a:spLocks noGrp="1" noRot="1" noChangeAspect="1" noMove="1" noResize="1" noEditPoints="1" noAdjustHandles="1" noChangeArrowheads="1" noChangeShapeType="1" noTextEdit="1"/>
+          </p:cNvSpPr>
+          <p:nvPr>
+            <p:extLst>
+              <p:ext uri="{386F3935-93C4-4BCD-93E2-E3B085C9AB24}">
+                <p16:designElem xmlns:p16="http://schemas.microsoft.com/office/powerpoint/2015/main" val="1"/>
+              </p:ext>
+            </p:extLst>
+          </p:nvPr>
+        </p:nvSpPr>
+        <p:spPr>
+          <a:xfrm>
+            <a:off x="0" y="4940492"/>
+            <a:ext cx="9144000" cy="1924333"/>
+          </a:xfrm>
+          <a:custGeom>
+            <a:avLst/>
+            <a:gdLst>
+              <a:gd name="connsiteX0" fmla="*/ 6189199 w 12192000"/>
+              <a:gd name="connsiteY0" fmla="*/ 588 h 1924333"/>
+              <a:gd name="connsiteX1" fmla="*/ 6207079 w 12192000"/>
+              <a:gd name="connsiteY1" fmla="*/ 2850 h 1924333"/>
+              <a:gd name="connsiteX2" fmla="*/ 6285610 w 12192000"/>
+              <a:gd name="connsiteY2" fmla="*/ 18131 h 1924333"/>
+              <a:gd name="connsiteX3" fmla="*/ 6378008 w 12192000"/>
+              <a:gd name="connsiteY3" fmla="*/ 24625 h 1924333"/>
+              <a:gd name="connsiteX4" fmla="*/ 6466340 w 12192000"/>
+              <a:gd name="connsiteY4" fmla="*/ 21366 h 1924333"/>
+              <a:gd name="connsiteX5" fmla="*/ 6553334 w 12192000"/>
+              <a:gd name="connsiteY5" fmla="*/ 35307 h 1924333"/>
+              <a:gd name="connsiteX6" fmla="*/ 6626068 w 12192000"/>
+              <a:gd name="connsiteY6" fmla="*/ 58045 h 1924333"/>
+              <a:gd name="connsiteX7" fmla="*/ 6692303 w 12192000"/>
+              <a:gd name="connsiteY7" fmla="*/ 91487 h 1924333"/>
+              <a:gd name="connsiteX8" fmla="*/ 6733670 w 12192000"/>
+              <a:gd name="connsiteY8" fmla="*/ 118130 h 1924333"/>
+              <a:gd name="connsiteX9" fmla="*/ 6798016 w 12192000"/>
+              <a:gd name="connsiteY9" fmla="*/ 112271 h 1924333"/>
+              <a:gd name="connsiteX10" fmla="*/ 6801081 w 12192000"/>
+              <a:gd name="connsiteY10" fmla="*/ 114963 h 1924333"/>
+              <a:gd name="connsiteX11" fmla="*/ 6819351 w 12192000"/>
+              <a:gd name="connsiteY11" fmla="*/ 128825 h 1924333"/>
+              <a:gd name="connsiteX12" fmla="*/ 6852732 w 12192000"/>
+              <a:gd name="connsiteY12" fmla="*/ 123321 h 1924333"/>
+              <a:gd name="connsiteX13" fmla="*/ 6865247 w 12192000"/>
+              <a:gd name="connsiteY13" fmla="*/ 128836 h 1924333"/>
+              <a:gd name="connsiteX14" fmla="*/ 6905517 w 12192000"/>
+              <a:gd name="connsiteY14" fmla="*/ 129265 h 1924333"/>
+              <a:gd name="connsiteX15" fmla="*/ 6950286 w 12192000"/>
+              <a:gd name="connsiteY15" fmla="*/ 150104 h 1924333"/>
+              <a:gd name="connsiteX16" fmla="*/ 7003442 w 12192000"/>
+              <a:gd name="connsiteY16" fmla="*/ 136136 h 1924333"/>
+              <a:gd name="connsiteX17" fmla="*/ 7160047 w 12192000"/>
+              <a:gd name="connsiteY17" fmla="*/ 166721 h 1924333"/>
+              <a:gd name="connsiteX18" fmla="*/ 7325604 w 12192000"/>
+              <a:gd name="connsiteY18" fmla="*/ 215867 h 1924333"/>
+              <a:gd name="connsiteX19" fmla="*/ 7540522 w 12192000"/>
+              <a:gd name="connsiteY19" fmla="*/ 239374 h 1924333"/>
+              <a:gd name="connsiteX20" fmla="*/ 7612071 w 12192000"/>
+              <a:gd name="connsiteY20" fmla="*/ 229553 h 1924333"/>
+              <a:gd name="connsiteX21" fmla="*/ 7651995 w 12192000"/>
+              <a:gd name="connsiteY21" fmla="*/ 244567 h 1924333"/>
+              <a:gd name="connsiteX22" fmla="*/ 7725761 w 12192000"/>
+              <a:gd name="connsiteY22" fmla="*/ 258638 h 1924333"/>
+              <a:gd name="connsiteX23" fmla="*/ 7823038 w 12192000"/>
+              <a:gd name="connsiteY23" fmla="*/ 287078 h 1924333"/>
+              <a:gd name="connsiteX24" fmla="*/ 7866405 w 12192000"/>
+              <a:gd name="connsiteY24" fmla="*/ 287288 h 1924333"/>
+              <a:gd name="connsiteX25" fmla="*/ 7875021 w 12192000"/>
+              <a:gd name="connsiteY25" fmla="*/ 288224 h 1924333"/>
+              <a:gd name="connsiteX26" fmla="*/ 7875146 w 12192000"/>
+              <a:gd name="connsiteY26" fmla="*/ 288614 h 1924333"/>
+              <a:gd name="connsiteX27" fmla="*/ 7907443 w 12192000"/>
+              <a:gd name="connsiteY27" fmla="*/ 291752 h 1924333"/>
+              <a:gd name="connsiteX28" fmla="*/ 7912892 w 12192000"/>
+              <a:gd name="connsiteY28" fmla="*/ 294833 h 1924333"/>
+              <a:gd name="connsiteX29" fmla="*/ 7946345 w 12192000"/>
+              <a:gd name="connsiteY29" fmla="*/ 319359 h 1924333"/>
+              <a:gd name="connsiteX30" fmla="*/ 8021238 w 12192000"/>
+              <a:gd name="connsiteY30" fmla="*/ 315159 h 1924333"/>
+              <a:gd name="connsiteX31" fmla="*/ 8094697 w 12192000"/>
+              <a:gd name="connsiteY31" fmla="*/ 351819 h 1924333"/>
+              <a:gd name="connsiteX32" fmla="*/ 8155208 w 12192000"/>
+              <a:gd name="connsiteY32" fmla="*/ 371168 h 1924333"/>
+              <a:gd name="connsiteX33" fmla="*/ 8248472 w 12192000"/>
+              <a:gd name="connsiteY33" fmla="*/ 400489 h 1924333"/>
+              <a:gd name="connsiteX34" fmla="*/ 8300068 w 12192000"/>
+              <a:gd name="connsiteY34" fmla="*/ 405531 h 1924333"/>
+              <a:gd name="connsiteX35" fmla="*/ 8356293 w 12192000"/>
+              <a:gd name="connsiteY35" fmla="*/ 403328 h 1924333"/>
+              <a:gd name="connsiteX36" fmla="*/ 8475838 w 12192000"/>
+              <a:gd name="connsiteY36" fmla="*/ 435524 h 1924333"/>
+              <a:gd name="connsiteX37" fmla="*/ 8575216 w 12192000"/>
+              <a:gd name="connsiteY37" fmla="*/ 450198 h 1924333"/>
+              <a:gd name="connsiteX38" fmla="*/ 8588650 w 12192000"/>
+              <a:gd name="connsiteY38" fmla="*/ 447070 h 1924333"/>
+              <a:gd name="connsiteX39" fmla="*/ 8612184 w 12192000"/>
+              <a:gd name="connsiteY39" fmla="*/ 439577 h 1924333"/>
+              <a:gd name="connsiteX40" fmla="*/ 8630713 w 12192000"/>
+              <a:gd name="connsiteY40" fmla="*/ 433015 h 1924333"/>
+              <a:gd name="connsiteX41" fmla="*/ 8704240 w 12192000"/>
+              <a:gd name="connsiteY41" fmla="*/ 422865 h 1924333"/>
+              <a:gd name="connsiteX42" fmla="*/ 8829513 w 12192000"/>
+              <a:gd name="connsiteY42" fmla="*/ 429389 h 1924333"/>
+              <a:gd name="connsiteX43" fmla="*/ 9083651 w 12192000"/>
+              <a:gd name="connsiteY43" fmla="*/ 390744 h 1924333"/>
+              <a:gd name="connsiteX44" fmla="*/ 9371402 w 12192000"/>
+              <a:gd name="connsiteY44" fmla="*/ 371809 h 1924333"/>
+              <a:gd name="connsiteX45" fmla="*/ 9429586 w 12192000"/>
+              <a:gd name="connsiteY45" fmla="*/ 369213 h 1924333"/>
+              <a:gd name="connsiteX46" fmla="*/ 9489757 w 12192000"/>
+              <a:gd name="connsiteY46" fmla="*/ 377814 h 1924333"/>
+              <a:gd name="connsiteX47" fmla="*/ 9516954 w 12192000"/>
+              <a:gd name="connsiteY47" fmla="*/ 376991 h 1924333"/>
+              <a:gd name="connsiteX48" fmla="*/ 9645588 w 12192000"/>
+              <a:gd name="connsiteY48" fmla="*/ 363590 h 1924333"/>
+              <a:gd name="connsiteX49" fmla="*/ 9722896 w 12192000"/>
+              <a:gd name="connsiteY49" fmla="*/ 360983 h 1924333"/>
+              <a:gd name="connsiteX50" fmla="*/ 9752803 w 12192000"/>
+              <a:gd name="connsiteY50" fmla="*/ 368492 h 1924333"/>
+              <a:gd name="connsiteX51" fmla="*/ 9890305 w 12192000"/>
+              <a:gd name="connsiteY51" fmla="*/ 380736 h 1924333"/>
+              <a:gd name="connsiteX52" fmla="*/ 9939767 w 12192000"/>
+              <a:gd name="connsiteY52" fmla="*/ 377776 h 1924333"/>
+              <a:gd name="connsiteX53" fmla="*/ 9944355 w 12192000"/>
+              <a:gd name="connsiteY53" fmla="*/ 377352 h 1924333"/>
+              <a:gd name="connsiteX54" fmla="*/ 9953719 w 12192000"/>
+              <a:gd name="connsiteY54" fmla="*/ 375642 h 1924333"/>
+              <a:gd name="connsiteX55" fmla="*/ 9955809 w 12192000"/>
+              <a:gd name="connsiteY55" fmla="*/ 376294 h 1924333"/>
+              <a:gd name="connsiteX56" fmla="*/ 10032710 w 12192000"/>
+              <a:gd name="connsiteY56" fmla="*/ 394940 h 1924333"/>
+              <a:gd name="connsiteX57" fmla="*/ 10049925 w 12192000"/>
+              <a:gd name="connsiteY57" fmla="*/ 404971 h 1924333"/>
+              <a:gd name="connsiteX58" fmla="*/ 10112671 w 12192000"/>
+              <a:gd name="connsiteY58" fmla="*/ 414549 h 1924333"/>
+              <a:gd name="connsiteX59" fmla="*/ 10170853 w 12192000"/>
+              <a:gd name="connsiteY59" fmla="*/ 435168 h 1924333"/>
+              <a:gd name="connsiteX60" fmla="*/ 10290184 w 12192000"/>
+              <a:gd name="connsiteY60" fmla="*/ 448123 h 1924333"/>
+              <a:gd name="connsiteX61" fmla="*/ 10320158 w 12192000"/>
+              <a:gd name="connsiteY61" fmla="*/ 458352 h 1924333"/>
+              <a:gd name="connsiteX62" fmla="*/ 10321815 w 12192000"/>
+              <a:gd name="connsiteY62" fmla="*/ 463087 h 1924333"/>
+              <a:gd name="connsiteX63" fmla="*/ 10373742 w 12192000"/>
+              <a:gd name="connsiteY63" fmla="*/ 464538 h 1924333"/>
+              <a:gd name="connsiteX64" fmla="*/ 10428532 w 12192000"/>
+              <a:gd name="connsiteY64" fmla="*/ 492504 h 1924333"/>
+              <a:gd name="connsiteX65" fmla="*/ 10466490 w 12192000"/>
+              <a:gd name="connsiteY65" fmla="*/ 517759 h 1924333"/>
+              <a:gd name="connsiteX66" fmla="*/ 10466675 w 12192000"/>
+              <a:gd name="connsiteY66" fmla="*/ 522076 h 1924333"/>
+              <a:gd name="connsiteX67" fmla="*/ 10470309 w 12192000"/>
+              <a:gd name="connsiteY67" fmla="*/ 522792 h 1924333"/>
+              <a:gd name="connsiteX68" fmla="*/ 10474138 w 12192000"/>
+              <a:gd name="connsiteY68" fmla="*/ 519761 h 1924333"/>
+              <a:gd name="connsiteX69" fmla="*/ 10501100 w 12192000"/>
+              <a:gd name="connsiteY69" fmla="*/ 528263 h 1924333"/>
+              <a:gd name="connsiteX70" fmla="*/ 10502395 w 12192000"/>
+              <a:gd name="connsiteY70" fmla="*/ 536393 h 1924333"/>
+              <a:gd name="connsiteX71" fmla="*/ 10689496 w 12192000"/>
+              <a:gd name="connsiteY71" fmla="*/ 560233 h 1924333"/>
+              <a:gd name="connsiteX72" fmla="*/ 10788736 w 12192000"/>
+              <a:gd name="connsiteY72" fmla="*/ 613188 h 1924333"/>
+              <a:gd name="connsiteX73" fmla="*/ 10819747 w 12192000"/>
+              <a:gd name="connsiteY73" fmla="*/ 621351 h 1924333"/>
+              <a:gd name="connsiteX74" fmla="*/ 10864632 w 12192000"/>
+              <a:gd name="connsiteY74" fmla="*/ 644858 h 1924333"/>
+              <a:gd name="connsiteX75" fmla="*/ 10929407 w 12192000"/>
+              <a:gd name="connsiteY75" fmla="*/ 652945 h 1924333"/>
+              <a:gd name="connsiteX76" fmla="*/ 10979412 w 12192000"/>
+              <a:gd name="connsiteY76" fmla="*/ 654217 h 1924333"/>
+              <a:gd name="connsiteX77" fmla="*/ 11006959 w 12192000"/>
+              <a:gd name="connsiteY77" fmla="*/ 657017 h 1924333"/>
+              <a:gd name="connsiteX78" fmla="*/ 11077038 w 12192000"/>
+              <a:gd name="connsiteY78" fmla="*/ 668487 h 1924333"/>
+              <a:gd name="connsiteX79" fmla="*/ 11157850 w 12192000"/>
+              <a:gd name="connsiteY79" fmla="*/ 693164 h 1924333"/>
+              <a:gd name="connsiteX80" fmla="*/ 11175276 w 12192000"/>
+              <a:gd name="connsiteY80" fmla="*/ 697243 h 1924333"/>
+              <a:gd name="connsiteX81" fmla="*/ 11191131 w 12192000"/>
+              <a:gd name="connsiteY81" fmla="*/ 696085 h 1924333"/>
+              <a:gd name="connsiteX82" fmla="*/ 11195573 w 12192000"/>
+              <a:gd name="connsiteY82" fmla="*/ 691751 h 1924333"/>
+              <a:gd name="connsiteX83" fmla="*/ 11205299 w 12192000"/>
+              <a:gd name="connsiteY83" fmla="*/ 693247 h 1924333"/>
+              <a:gd name="connsiteX84" fmla="*/ 11223770 w 12192000"/>
+              <a:gd name="connsiteY84" fmla="*/ 690335 h 1924333"/>
+              <a:gd name="connsiteX85" fmla="*/ 11292119 w 12192000"/>
+              <a:gd name="connsiteY85" fmla="*/ 713311 h 1924333"/>
+              <a:gd name="connsiteX86" fmla="*/ 11435379 w 12192000"/>
+              <a:gd name="connsiteY86" fmla="*/ 758519 h 1924333"/>
+              <a:gd name="connsiteX87" fmla="*/ 11604406 w 12192000"/>
+              <a:gd name="connsiteY87" fmla="*/ 810476 h 1924333"/>
+              <a:gd name="connsiteX88" fmla="*/ 11652155 w 12192000"/>
+              <a:gd name="connsiteY88" fmla="*/ 825109 h 1924333"/>
+              <a:gd name="connsiteX89" fmla="*/ 11654192 w 12192000"/>
+              <a:gd name="connsiteY89" fmla="*/ 827301 h 1924333"/>
+              <a:gd name="connsiteX90" fmla="*/ 11676599 w 12192000"/>
+              <a:gd name="connsiteY90" fmla="*/ 846628 h 1924333"/>
+              <a:gd name="connsiteX91" fmla="*/ 11775168 w 12192000"/>
+              <a:gd name="connsiteY91" fmla="*/ 890664 h 1924333"/>
+              <a:gd name="connsiteX92" fmla="*/ 11826341 w 12192000"/>
+              <a:gd name="connsiteY92" fmla="*/ 877558 h 1924333"/>
+              <a:gd name="connsiteX93" fmla="*/ 11879068 w 12192000"/>
+              <a:gd name="connsiteY93" fmla="*/ 874038 h 1924333"/>
+              <a:gd name="connsiteX94" fmla="*/ 11889563 w 12192000"/>
+              <a:gd name="connsiteY94" fmla="*/ 878619 h 1924333"/>
+              <a:gd name="connsiteX95" fmla="*/ 12016613 w 12192000"/>
+              <a:gd name="connsiteY95" fmla="*/ 886111 h 1924333"/>
+              <a:gd name="connsiteX96" fmla="*/ 12108292 w 12192000"/>
+              <a:gd name="connsiteY96" fmla="*/ 868500 h 1924333"/>
+              <a:gd name="connsiteX97" fmla="*/ 12182910 w 12192000"/>
+              <a:gd name="connsiteY97" fmla="*/ 882003 h 1924333"/>
+              <a:gd name="connsiteX98" fmla="*/ 12192000 w 12192000"/>
+              <a:gd name="connsiteY98" fmla="*/ 884778 h 1924333"/>
+              <a:gd name="connsiteX99" fmla="*/ 12192000 w 12192000"/>
+              <a:gd name="connsiteY99" fmla="*/ 1610315 h 1924333"/>
+              <a:gd name="connsiteX100" fmla="*/ 12191998 w 12192000"/>
+              <a:gd name="connsiteY100" fmla="*/ 1610315 h 1924333"/>
+              <a:gd name="connsiteX101" fmla="*/ 12191998 w 12192000"/>
+              <a:gd name="connsiteY101" fmla="*/ 1924333 h 1924333"/>
+              <a:gd name="connsiteX102" fmla="*/ 0 w 12192000"/>
+              <a:gd name="connsiteY102" fmla="*/ 1924333 h 1924333"/>
+              <a:gd name="connsiteX103" fmla="*/ 0 w 12192000"/>
+              <a:gd name="connsiteY103" fmla="*/ 505159 h 1924333"/>
+              <a:gd name="connsiteX104" fmla="*/ 5722 w 12192000"/>
+              <a:gd name="connsiteY104" fmla="*/ 508889 h 1924333"/>
+              <a:gd name="connsiteX105" fmla="*/ 38476 w 12192000"/>
+              <a:gd name="connsiteY105" fmla="*/ 524137 h 1924333"/>
+              <a:gd name="connsiteX106" fmla="*/ 192883 w 12192000"/>
+              <a:gd name="connsiteY106" fmla="*/ 545272 h 1924333"/>
+              <a:gd name="connsiteX107" fmla="*/ 343710 w 12192000"/>
+              <a:gd name="connsiteY107" fmla="*/ 565029 h 1924333"/>
+              <a:gd name="connsiteX108" fmla="*/ 471066 w 12192000"/>
+              <a:gd name="connsiteY108" fmla="*/ 549837 h 1924333"/>
+              <a:gd name="connsiteX109" fmla="*/ 617333 w 12192000"/>
+              <a:gd name="connsiteY109" fmla="*/ 526428 h 1924333"/>
+              <a:gd name="connsiteX110" fmla="*/ 725203 w 12192000"/>
+              <a:gd name="connsiteY110" fmla="*/ 523793 h 1924333"/>
+              <a:gd name="connsiteX111" fmla="*/ 788494 w 12192000"/>
+              <a:gd name="connsiteY111" fmla="*/ 505799 h 1924333"/>
+              <a:gd name="connsiteX112" fmla="*/ 885977 w 12192000"/>
+              <a:gd name="connsiteY112" fmla="*/ 526585 h 1924333"/>
+              <a:gd name="connsiteX113" fmla="*/ 932142 w 12192000"/>
+              <a:gd name="connsiteY113" fmla="*/ 528005 h 1924333"/>
+              <a:gd name="connsiteX114" fmla="*/ 1090404 w 12192000"/>
+              <a:gd name="connsiteY114" fmla="*/ 498299 h 1924333"/>
+              <a:gd name="connsiteX115" fmla="*/ 1188628 w 12192000"/>
+              <a:gd name="connsiteY115" fmla="*/ 483151 h 1924333"/>
+              <a:gd name="connsiteX116" fmla="*/ 1316247 w 12192000"/>
+              <a:gd name="connsiteY116" fmla="*/ 425979 h 1924333"/>
+              <a:gd name="connsiteX117" fmla="*/ 1357712 w 12192000"/>
+              <a:gd name="connsiteY117" fmla="*/ 416549 h 1924333"/>
+              <a:gd name="connsiteX118" fmla="*/ 1425921 w 12192000"/>
+              <a:gd name="connsiteY118" fmla="*/ 413953 h 1924333"/>
+              <a:gd name="connsiteX119" fmla="*/ 1503817 w 12192000"/>
+              <a:gd name="connsiteY119" fmla="*/ 380457 h 1924333"/>
+              <a:gd name="connsiteX120" fmla="*/ 1639196 w 12192000"/>
+              <a:gd name="connsiteY120" fmla="*/ 372785 h 1924333"/>
+              <a:gd name="connsiteX121" fmla="*/ 1705606 w 12192000"/>
+              <a:gd name="connsiteY121" fmla="*/ 359023 h 1924333"/>
+              <a:gd name="connsiteX122" fmla="*/ 1813011 w 12192000"/>
+              <a:gd name="connsiteY122" fmla="*/ 331023 h 1924333"/>
+              <a:gd name="connsiteX123" fmla="*/ 1831380 w 12192000"/>
+              <a:gd name="connsiteY123" fmla="*/ 341307 h 1924333"/>
+              <a:gd name="connsiteX124" fmla="*/ 1858612 w 12192000"/>
+              <a:gd name="connsiteY124" fmla="*/ 326777 h 1924333"/>
+              <a:gd name="connsiteX125" fmla="*/ 1880661 w 12192000"/>
+              <a:gd name="connsiteY125" fmla="*/ 335987 h 1924333"/>
+              <a:gd name="connsiteX126" fmla="*/ 1941495 w 12192000"/>
+              <a:gd name="connsiteY126" fmla="*/ 310792 h 1924333"/>
+              <a:gd name="connsiteX127" fmla="*/ 1995402 w 12192000"/>
+              <a:gd name="connsiteY127" fmla="*/ 305480 h 1924333"/>
+              <a:gd name="connsiteX128" fmla="*/ 2223864 w 12192000"/>
+              <a:gd name="connsiteY128" fmla="*/ 266118 h 1924333"/>
+              <a:gd name="connsiteX129" fmla="*/ 2418043 w 12192000"/>
+              <a:gd name="connsiteY129" fmla="*/ 215314 h 1924333"/>
+              <a:gd name="connsiteX130" fmla="*/ 2558461 w 12192000"/>
+              <a:gd name="connsiteY130" fmla="*/ 168193 h 1924333"/>
+              <a:gd name="connsiteX131" fmla="*/ 2595535 w 12192000"/>
+              <a:gd name="connsiteY131" fmla="*/ 158548 h 1924333"/>
+              <a:gd name="connsiteX132" fmla="*/ 2626942 w 12192000"/>
+              <a:gd name="connsiteY132" fmla="*/ 130400 h 1924333"/>
+              <a:gd name="connsiteX133" fmla="*/ 2632225 w 12192000"/>
+              <a:gd name="connsiteY133" fmla="*/ 130446 h 1924333"/>
+              <a:gd name="connsiteX134" fmla="*/ 2696856 w 12192000"/>
+              <a:gd name="connsiteY134" fmla="*/ 128498 h 1924333"/>
+              <a:gd name="connsiteX135" fmla="*/ 2759767 w 12192000"/>
+              <a:gd name="connsiteY135" fmla="*/ 127784 h 1924333"/>
+              <a:gd name="connsiteX136" fmla="*/ 2792685 w 12192000"/>
+              <a:gd name="connsiteY136" fmla="*/ 115710 h 1924333"/>
+              <a:gd name="connsiteX137" fmla="*/ 2799767 w 12192000"/>
+              <a:gd name="connsiteY137" fmla="*/ 113754 h 1924333"/>
+              <a:gd name="connsiteX138" fmla="*/ 2829799 w 12192000"/>
+              <a:gd name="connsiteY138" fmla="*/ 120042 h 1924333"/>
+              <a:gd name="connsiteX139" fmla="*/ 2890704 w 12192000"/>
+              <a:gd name="connsiteY139" fmla="*/ 121493 h 1924333"/>
+              <a:gd name="connsiteX140" fmla="*/ 3042646 w 12192000"/>
+              <a:gd name="connsiteY140" fmla="*/ 112273 h 1924333"/>
+              <a:gd name="connsiteX141" fmla="*/ 3146630 w 12192000"/>
+              <a:gd name="connsiteY141" fmla="*/ 100898 h 1924333"/>
+              <a:gd name="connsiteX142" fmla="*/ 3233163 w 12192000"/>
+              <a:gd name="connsiteY142" fmla="*/ 120200 h 1924333"/>
+              <a:gd name="connsiteX143" fmla="*/ 3372699 w 12192000"/>
+              <a:gd name="connsiteY143" fmla="*/ 129394 h 1924333"/>
+              <a:gd name="connsiteX144" fmla="*/ 3394352 w 12192000"/>
+              <a:gd name="connsiteY144" fmla="*/ 131671 h 1924333"/>
+              <a:gd name="connsiteX145" fmla="*/ 3448218 w 12192000"/>
+              <a:gd name="connsiteY145" fmla="*/ 118229 h 1924333"/>
+              <a:gd name="connsiteX146" fmla="*/ 3505047 w 12192000"/>
+              <a:gd name="connsiteY146" fmla="*/ 115412 h 1924333"/>
+              <a:gd name="connsiteX147" fmla="*/ 3521767 w 12192000"/>
+              <a:gd name="connsiteY147" fmla="*/ 111071 h 1924333"/>
+              <a:gd name="connsiteX148" fmla="*/ 3585137 w 12192000"/>
+              <a:gd name="connsiteY148" fmla="*/ 114371 h 1924333"/>
+              <a:gd name="connsiteX149" fmla="*/ 3690293 w 12192000"/>
+              <a:gd name="connsiteY149" fmla="*/ 98301 h 1924333"/>
+              <a:gd name="connsiteX150" fmla="*/ 3867818 w 12192000"/>
+              <a:gd name="connsiteY150" fmla="*/ 88985 h 1924333"/>
+              <a:gd name="connsiteX151" fmla="*/ 4091337 w 12192000"/>
+              <a:gd name="connsiteY151" fmla="*/ 70813 h 1924333"/>
+              <a:gd name="connsiteX152" fmla="*/ 4246332 w 12192000"/>
+              <a:gd name="connsiteY152" fmla="*/ 41697 h 1924333"/>
+              <a:gd name="connsiteX153" fmla="*/ 4266975 w 12192000"/>
+              <a:gd name="connsiteY153" fmla="*/ 46592 h 1924333"/>
+              <a:gd name="connsiteX154" fmla="*/ 4270566 w 12192000"/>
+              <a:gd name="connsiteY154" fmla="*/ 47620 h 1924333"/>
+              <a:gd name="connsiteX155" fmla="*/ 4288964 w 12192000"/>
+              <a:gd name="connsiteY155" fmla="*/ 52766 h 1924333"/>
+              <a:gd name="connsiteX156" fmla="*/ 4365137 w 12192000"/>
+              <a:gd name="connsiteY156" fmla="*/ 51783 h 1924333"/>
+              <a:gd name="connsiteX157" fmla="*/ 4430546 w 12192000"/>
+              <a:gd name="connsiteY157" fmla="*/ 44555 h 1924333"/>
+              <a:gd name="connsiteX158" fmla="*/ 4444136 w 12192000"/>
+              <a:gd name="connsiteY158" fmla="*/ 39567 h 1924333"/>
+              <a:gd name="connsiteX159" fmla="*/ 4534039 w 12192000"/>
+              <a:gd name="connsiteY159" fmla="*/ 31604 h 1924333"/>
+              <a:gd name="connsiteX160" fmla="*/ 4560448 w 12192000"/>
+              <a:gd name="connsiteY160" fmla="*/ 25231 h 1924333"/>
+              <a:gd name="connsiteX161" fmla="*/ 4568006 w 12192000"/>
+              <a:gd name="connsiteY161" fmla="*/ 25970 h 1924333"/>
+              <a:gd name="connsiteX162" fmla="*/ 4595497 w 12192000"/>
+              <a:gd name="connsiteY162" fmla="*/ 22958 h 1924333"/>
+              <a:gd name="connsiteX163" fmla="*/ 4608623 w 12192000"/>
+              <a:gd name="connsiteY163" fmla="*/ 18108 h 1924333"/>
+              <a:gd name="connsiteX164" fmla="*/ 4623942 w 12192000"/>
+              <a:gd name="connsiteY164" fmla="*/ 22251 h 1924333"/>
+              <a:gd name="connsiteX165" fmla="*/ 4664336 w 12192000"/>
+              <a:gd name="connsiteY165" fmla="*/ 23306 h 1924333"/>
+              <a:gd name="connsiteX166" fmla="*/ 4677385 w 12192000"/>
+              <a:gd name="connsiteY166" fmla="*/ 18246 h 1924333"/>
+              <a:gd name="connsiteX167" fmla="*/ 4698143 w 12192000"/>
+              <a:gd name="connsiteY167" fmla="*/ 18036 h 1924333"/>
+              <a:gd name="connsiteX168" fmla="*/ 4750609 w 12192000"/>
+              <a:gd name="connsiteY168" fmla="*/ 23611 h 1924333"/>
+              <a:gd name="connsiteX169" fmla="*/ 4784658 w 12192000"/>
+              <a:gd name="connsiteY169" fmla="*/ 25057 h 1924333"/>
+              <a:gd name="connsiteX170" fmla="*/ 4847558 w 12192000"/>
+              <a:gd name="connsiteY170" fmla="*/ 38726 h 1924333"/>
+              <a:gd name="connsiteX171" fmla="*/ 4909134 w 12192000"/>
+              <a:gd name="connsiteY171" fmla="*/ 50659 h 1924333"/>
+              <a:gd name="connsiteX172" fmla="*/ 5099219 w 12192000"/>
+              <a:gd name="connsiteY172" fmla="*/ 55050 h 1924333"/>
+              <a:gd name="connsiteX173" fmla="*/ 5184992 w 12192000"/>
+              <a:gd name="connsiteY173" fmla="*/ 67596 h 1924333"/>
+              <a:gd name="connsiteX174" fmla="*/ 5229637 w 12192000"/>
+              <a:gd name="connsiteY174" fmla="*/ 67789 h 1924333"/>
+              <a:gd name="connsiteX175" fmla="*/ 5389346 w 12192000"/>
+              <a:gd name="connsiteY175" fmla="*/ 80211 h 1924333"/>
+              <a:gd name="connsiteX176" fmla="*/ 5494414 w 12192000"/>
+              <a:gd name="connsiteY176" fmla="*/ 75926 h 1924333"/>
+              <a:gd name="connsiteX177" fmla="*/ 5528443 w 12192000"/>
+              <a:gd name="connsiteY177" fmla="*/ 77206 h 1924333"/>
+              <a:gd name="connsiteX178" fmla="*/ 5684939 w 12192000"/>
+              <a:gd name="connsiteY178" fmla="*/ 50269 h 1924333"/>
+              <a:gd name="connsiteX179" fmla="*/ 5765146 w 12192000"/>
+              <a:gd name="connsiteY179" fmla="*/ 50414 h 1924333"/>
+              <a:gd name="connsiteX180" fmla="*/ 5848655 w 12192000"/>
+              <a:gd name="connsiteY180" fmla="*/ 35257 h 1924333"/>
+              <a:gd name="connsiteX181" fmla="*/ 5930656 w 12192000"/>
+              <a:gd name="connsiteY181" fmla="*/ 30131 h 1924333"/>
+              <a:gd name="connsiteX182" fmla="*/ 6124150 w 12192000"/>
+              <a:gd name="connsiteY182" fmla="*/ 31679 h 1924333"/>
+              <a:gd name="connsiteX183" fmla="*/ 6189199 w 12192000"/>
+              <a:gd name="connsiteY183" fmla="*/ 588 h 1924333"/>
+            </a:gdLst>
+            <a:ahLst/>
+            <a:cxnLst>
+              <a:cxn ang="0">
+                <a:pos x="connsiteX0" y="connsiteY0"/>
+              </a:cxn>
+              <a:cxn ang="0">
+                <a:pos x="connsiteX1" y="connsiteY1"/>
+              </a:cxn>
+              <a:cxn ang="0">
+                <a:pos x="connsiteX2" y="connsiteY2"/>
+              </a:cxn>
+              <a:cxn ang="0">
+                <a:pos x="connsiteX3" y="connsiteY3"/>
+              </a:cxn>
+              <a:cxn ang="0">
+                <a:pos x="connsiteX4" y="connsiteY4"/>
+              </a:cxn>
+              <a:cxn ang="0">
+                <a:pos x="connsiteX5" y="connsiteY5"/>
+              </a:cxn>
+              <a:cxn ang="0">
+                <a:pos x="connsiteX6" y="connsiteY6"/>
+              </a:cxn>
+              <a:cxn ang="0">
+                <a:pos x="connsiteX7" y="connsiteY7"/>
+              </a:cxn>
+              <a:cxn ang="0">
+                <a:pos x="connsiteX8" y="connsiteY8"/>
+              </a:cxn>
+              <a:cxn ang="0">
+                <a:pos x="connsiteX9" y="connsiteY9"/>
+              </a:cxn>
+              <a:cxn ang="0">
+                <a:pos x="connsiteX10" y="connsiteY10"/>
+              </a:cxn>
+              <a:cxn ang="0">
+                <a:pos x="connsiteX11" y="connsiteY11"/>
+              </a:cxn>
+              <a:cxn ang="0">
+                <a:pos x="connsiteX12" y="connsiteY12"/>
+              </a:cxn>
+              <a:cxn ang="0">
+                <a:pos x="connsiteX13" y="connsiteY13"/>
+              </a:cxn>
+              <a:cxn ang="0">
+                <a:pos x="connsiteX14" y="connsiteY14"/>
+              </a:cxn>
+              <a:cxn ang="0">
+                <a:pos x="connsiteX15" y="connsiteY15"/>
+              </a:cxn>
+              <a:cxn ang="0">
+                <a:pos x="connsiteX16" y="connsiteY16"/>
+              </a:cxn>
+              <a:cxn ang="0">
+                <a:pos x="connsiteX17" y="connsiteY17"/>
+              </a:cxn>
+              <a:cxn ang="0">
+                <a:pos x="connsiteX18" y="connsiteY18"/>
+              </a:cxn>
+              <a:cxn ang="0">
+                <a:pos x="connsiteX19" y="connsiteY19"/>
+              </a:cxn>
+              <a:cxn ang="0">
+                <a:pos x="connsiteX20" y="connsiteY20"/>
+              </a:cxn>
+              <a:cxn ang="0">
+                <a:pos x="connsiteX21" y="connsiteY21"/>
+              </a:cxn>
+              <a:cxn ang="0">
+                <a:pos x="connsiteX22" y="connsiteY22"/>
+              </a:cxn>
+              <a:cxn ang="0">
+                <a:pos x="connsiteX23" y="connsiteY23"/>
+              </a:cxn>
+              <a:cxn ang="0">
+                <a:pos x="connsiteX24" y="connsiteY24"/>
+              </a:cxn>
+              <a:cxn ang="0">
+                <a:pos x="connsiteX25" y="connsiteY25"/>
+              </a:cxn>
+              <a:cxn ang="0">
+                <a:pos x="connsiteX26" y="connsiteY26"/>
+              </a:cxn>
+              <a:cxn ang="0">
+                <a:pos x="connsiteX27" y="connsiteY27"/>
+              </a:cxn>
+              <a:cxn ang="0">
+                <a:pos x="connsiteX28" y="connsiteY28"/>
+              </a:cxn>
+              <a:cxn ang="0">
+                <a:pos x="connsiteX29" y="connsiteY29"/>
+              </a:cxn>
+              <a:cxn ang="0">
+                <a:pos x="connsiteX30" y="connsiteY30"/>
+              </a:cxn>
+              <a:cxn ang="0">
+                <a:pos x="connsiteX31" y="connsiteY31"/>
+              </a:cxn>
+              <a:cxn ang="0">
+                <a:pos x="connsiteX32" y="connsiteY32"/>
+              </a:cxn>
+              <a:cxn ang="0">
+                <a:pos x="connsiteX33" y="connsiteY33"/>
+              </a:cxn>
+              <a:cxn ang="0">
+                <a:pos x="connsiteX34" y="connsiteY34"/>
+              </a:cxn>
+              <a:cxn ang="0">
+                <a:pos x="connsiteX35" y="connsiteY35"/>
+              </a:cxn>
+              <a:cxn ang="0">
+                <a:pos x="connsiteX36" y="connsiteY36"/>
+              </a:cxn>
+              <a:cxn ang="0">
+                <a:pos x="connsiteX37" y="connsiteY37"/>
+              </a:cxn>
+              <a:cxn ang="0">
+                <a:pos x="connsiteX38" y="connsiteY38"/>
+              </a:cxn>
+              <a:cxn ang="0">
+                <a:pos x="connsiteX39" y="connsiteY39"/>
+              </a:cxn>
+              <a:cxn ang="0">
+                <a:pos x="connsiteX40" y="connsiteY40"/>
+              </a:cxn>
+              <a:cxn ang="0">
+                <a:pos x="connsiteX41" y="connsiteY41"/>
+              </a:cxn>
+              <a:cxn ang="0">
+                <a:pos x="connsiteX42" y="connsiteY42"/>
+              </a:cxn>
+              <a:cxn ang="0">
+                <a:pos x="connsiteX43" y="connsiteY43"/>
+              </a:cxn>
+              <a:cxn ang="0">
+                <a:pos x="connsiteX44" y="connsiteY44"/>
+              </a:cxn>
+              <a:cxn ang="0">
+                <a:pos x="connsiteX45" y="connsiteY45"/>
+              </a:cxn>
+              <a:cxn ang="0">
+                <a:pos x="connsiteX46" y="connsiteY46"/>
+              </a:cxn>
+              <a:cxn ang="0">
+                <a:pos x="connsiteX47" y="connsiteY47"/>
+              </a:cxn>
+              <a:cxn ang="0">
+                <a:pos x="connsiteX48" y="connsiteY48"/>
+              </a:cxn>
+              <a:cxn ang="0">
+                <a:pos x="connsiteX49" y="connsiteY49"/>
+              </a:cxn>
+              <a:cxn ang="0">
+                <a:pos x="connsiteX50" y="connsiteY50"/>
+              </a:cxn>
+              <a:cxn ang="0">
+                <a:pos x="connsiteX51" y="connsiteY51"/>
+              </a:cxn>
+              <a:cxn ang="0">
+                <a:pos x="connsiteX52" y="connsiteY52"/>
+              </a:cxn>
+              <a:cxn ang="0">
+                <a:pos x="connsiteX53" y="connsiteY53"/>
+              </a:cxn>
+              <a:cxn ang="0">
+                <a:pos x="connsiteX54" y="connsiteY54"/>
+              </a:cxn>
+              <a:cxn ang="0">
+                <a:pos x="connsiteX55" y="connsiteY55"/>
+              </a:cxn>
+              <a:cxn ang="0">
+                <a:pos x="connsiteX56" y="connsiteY56"/>
+              </a:cxn>
+              <a:cxn ang="0">
+                <a:pos x="connsiteX57" y="connsiteY57"/>
+              </a:cxn>
+              <a:cxn ang="0">
+                <a:pos x="connsiteX58" y="connsiteY58"/>
+              </a:cxn>
+              <a:cxn ang="0">
+                <a:pos x="connsiteX59" y="connsiteY59"/>
+              </a:cxn>
+              <a:cxn ang="0">
+                <a:pos x="connsiteX60" y="connsiteY60"/>
+              </a:cxn>
+              <a:cxn ang="0">
+                <a:pos x="connsiteX61" y="connsiteY61"/>
+              </a:cxn>
+              <a:cxn ang="0">
+                <a:pos x="connsiteX62" y="connsiteY62"/>
+              </a:cxn>
+              <a:cxn ang="0">
+                <a:pos x="connsiteX63" y="connsiteY63"/>
+              </a:cxn>
+              <a:cxn ang="0">
+                <a:pos x="connsiteX64" y="connsiteY64"/>
+              </a:cxn>
+              <a:cxn ang="0">
+                <a:pos x="connsiteX65" y="connsiteY65"/>
+              </a:cxn>
+              <a:cxn ang="0">
+                <a:pos x="connsiteX66" y="connsiteY66"/>
+              </a:cxn>
+              <a:cxn ang="0">
+                <a:pos x="connsiteX67" y="connsiteY67"/>
+              </a:cxn>
+              <a:cxn ang="0">
+                <a:pos x="connsiteX68" y="connsiteY68"/>
+              </a:cxn>
+              <a:cxn ang="0">
+                <a:pos x="connsiteX69" y="connsiteY69"/>
+              </a:cxn>
+              <a:cxn ang="0">
+                <a:pos x="connsiteX70" y="connsiteY70"/>
+              </a:cxn>
+              <a:cxn ang="0">
+                <a:pos x="connsiteX71" y="connsiteY71"/>
+              </a:cxn>
+              <a:cxn ang="0">
+                <a:pos x="connsiteX72" y="connsiteY72"/>
+              </a:cxn>
+              <a:cxn ang="0">
+                <a:pos x="connsiteX73" y="connsiteY73"/>
+              </a:cxn>
+              <a:cxn ang="0">
+                <a:pos x="connsiteX74" y="connsiteY74"/>
+              </a:cxn>
+              <a:cxn ang="0">
+                <a:pos x="connsiteX75" y="connsiteY75"/>
+              </a:cxn>
+              <a:cxn ang="0">
+                <a:pos x="connsiteX76" y="connsiteY76"/>
+              </a:cxn>
+              <a:cxn ang="0">
+                <a:pos x="connsiteX77" y="connsiteY77"/>
+              </a:cxn>
+              <a:cxn ang="0">
+                <a:pos x="connsiteX78" y="connsiteY78"/>
+              </a:cxn>
+              <a:cxn ang="0">
+                <a:pos x="connsiteX79" y="connsiteY79"/>
+              </a:cxn>
+              <a:cxn ang="0">
+                <a:pos x="connsiteX80" y="connsiteY80"/>
+              </a:cxn>
+              <a:cxn ang="0">
+                <a:pos x="connsiteX81" y="connsiteY81"/>
+              </a:cxn>
+              <a:cxn ang="0">
+                <a:pos x="connsiteX82" y="connsiteY82"/>
+              </a:cxn>
+              <a:cxn ang="0">
+                <a:pos x="connsiteX83" y="connsiteY83"/>
+              </a:cxn>
+              <a:cxn ang="0">
+                <a:pos x="connsiteX84" y="connsiteY84"/>
+              </a:cxn>
+              <a:cxn ang="0">
+                <a:pos x="connsiteX85" y="connsiteY85"/>
+              </a:cxn>
+              <a:cxn ang="0">
+                <a:pos x="connsiteX86" y="connsiteY86"/>
+              </a:cxn>
+              <a:cxn ang="0">
+                <a:pos x="connsiteX87" y="connsiteY87"/>
+              </a:cxn>
+              <a:cxn ang="0">
+                <a:pos x="connsiteX88" y="connsiteY88"/>
+              </a:cxn>
+              <a:cxn ang="0">
+                <a:pos x="connsiteX89" y="connsiteY89"/>
+              </a:cxn>
+              <a:cxn ang="0">
+                <a:pos x="connsiteX90" y="connsiteY90"/>
+              </a:cxn>
+              <a:cxn ang="0">
+                <a:pos x="connsiteX91" y="connsiteY91"/>
+              </a:cxn>
+              <a:cxn ang="0">
+                <a:pos x="connsiteX92" y="connsiteY92"/>
+              </a:cxn>
+              <a:cxn ang="0">
+                <a:pos x="connsiteX93" y="connsiteY93"/>
+              </a:cxn>
+              <a:cxn ang="0">
+                <a:pos x="connsiteX94" y="connsiteY94"/>
+              </a:cxn>
+              <a:cxn ang="0">
+                <a:pos x="connsiteX95" y="connsiteY95"/>
+              </a:cxn>
+              <a:cxn ang="0">
+                <a:pos x="connsiteX96" y="connsiteY96"/>
+              </a:cxn>
+              <a:cxn ang="0">
+                <a:pos x="connsiteX97" y="connsiteY97"/>
+              </a:cxn>
+              <a:cxn ang="0">
+                <a:pos x="connsiteX98" y="connsiteY98"/>
+              </a:cxn>
+              <a:cxn ang="0">
+                <a:pos x="connsiteX99" y="connsiteY99"/>
+              </a:cxn>
+              <a:cxn ang="0">
+                <a:pos x="connsiteX100" y="connsiteY100"/>
+              </a:cxn>
+              <a:cxn ang="0">
+                <a:pos x="connsiteX101" y="connsiteY101"/>
+              </a:cxn>
+              <a:cxn ang="0">
+                <a:pos x="connsiteX102" y="connsiteY102"/>
+              </a:cxn>
+              <a:cxn ang="0">
+                <a:pos x="connsiteX103" y="connsiteY103"/>
+              </a:cxn>
+              <a:cxn ang="0">
+                <a:pos x="connsiteX104" y="connsiteY104"/>
+              </a:cxn>
+              <a:cxn ang="0">
+                <a:pos x="connsiteX105" y="connsiteY105"/>
+              </a:cxn>
+              <a:cxn ang="0">
+                <a:pos x="connsiteX106" y="connsiteY106"/>
+              </a:cxn>
+              <a:cxn ang="0">
+                <a:pos x="connsiteX107" y="connsiteY107"/>
+              </a:cxn>
+              <a:cxn ang="0">
+                <a:pos x="connsiteX108" y="connsiteY108"/>
+              </a:cxn>
+              <a:cxn ang="0">
+                <a:pos x="connsiteX109" y="connsiteY109"/>
+              </a:cxn>
+              <a:cxn ang="0">
+                <a:pos x="connsiteX110" y="connsiteY110"/>
+              </a:cxn>
+              <a:cxn ang="0">
+                <a:pos x="connsiteX111" y="connsiteY111"/>
+              </a:cxn>
+              <a:cxn ang="0">
+                <a:pos x="connsiteX112" y="connsiteY112"/>
+              </a:cxn>
+              <a:cxn ang="0">
+                <a:pos x="connsiteX113" y="connsiteY113"/>
+              </a:cxn>
+              <a:cxn ang="0">
+                <a:pos x="connsiteX114" y="connsiteY114"/>
+              </a:cxn>
+              <a:cxn ang="0">
+                <a:pos x="connsiteX115" y="connsiteY115"/>
+              </a:cxn>
+              <a:cxn ang="0">
+                <a:pos x="connsiteX116" y="connsiteY116"/>
+              </a:cxn>
+              <a:cxn ang="0">
+                <a:pos x="connsiteX117" y="connsiteY117"/>
+              </a:cxn>
+              <a:cxn ang="0">
+                <a:pos x="connsiteX118" y="connsiteY118"/>
+              </a:cxn>
+              <a:cxn ang="0">
+                <a:pos x="connsiteX119" y="connsiteY119"/>
+              </a:cxn>
+              <a:cxn ang="0">
+                <a:pos x="connsiteX120" y="connsiteY120"/>
+              </a:cxn>
+              <a:cxn ang="0">
+                <a:pos x="connsiteX121" y="connsiteY121"/>
+              </a:cxn>
+              <a:cxn ang="0">
+                <a:pos x="connsiteX122" y="connsiteY122"/>
+              </a:cxn>
+              <a:cxn ang="0">
+                <a:pos x="connsiteX123" y="connsiteY123"/>
+              </a:cxn>
+              <a:cxn ang="0">
+                <a:pos x="connsiteX124" y="connsiteY124"/>
+              </a:cxn>
+              <a:cxn ang="0">
+                <a:pos x="connsiteX125" y="connsiteY125"/>
+              </a:cxn>
+              <a:cxn ang="0">
+                <a:pos x="connsiteX126" y="connsiteY126"/>
+              </a:cxn>
+              <a:cxn ang="0">
+                <a:pos x="connsiteX127" y="connsiteY127"/>
+              </a:cxn>
+              <a:cxn ang="0">
+                <a:pos x="connsiteX128" y="connsiteY128"/>
+              </a:cxn>
+              <a:cxn ang="0">
+                <a:pos x="connsiteX129" y="connsiteY129"/>
+              </a:cxn>
+              <a:cxn ang="0">
+                <a:pos x="connsiteX130" y="connsiteY130"/>
+              </a:cxn>
+              <a:cxn ang="0">
+                <a:pos x="connsiteX131" y="connsiteY131"/>
+              </a:cxn>
+              <a:cxn ang="0">
+                <a:pos x="connsiteX132" y="connsiteY132"/>
+              </a:cxn>
+              <a:cxn ang="0">
+                <a:pos x="connsiteX133" y="connsiteY133"/>
+              </a:cxn>
+              <a:cxn ang="0">
+                <a:pos x="connsiteX134" y="connsiteY134"/>
+              </a:cxn>
+              <a:cxn ang="0">
+                <a:pos x="connsiteX135" y="connsiteY135"/>
+              </a:cxn>
+              <a:cxn ang="0">
+                <a:pos x="connsiteX136" y="connsiteY136"/>
+              </a:cxn>
+              <a:cxn ang="0">
+                <a:pos x="connsiteX137" y="connsiteY137"/>
+              </a:cxn>
+              <a:cxn ang="0">
+                <a:pos x="connsiteX138" y="connsiteY138"/>
+              </a:cxn>
+              <a:cxn ang="0">
+                <a:pos x="connsiteX139" y="connsiteY139"/>
+              </a:cxn>
+              <a:cxn ang="0">
+                <a:pos x="connsiteX140" y="connsiteY140"/>
+              </a:cxn>
+              <a:cxn ang="0">
+                <a:pos x="connsiteX141" y="connsiteY141"/>
+              </a:cxn>
+              <a:cxn ang="0">
+                <a:pos x="connsiteX142" y="connsiteY142"/>
+              </a:cxn>
+              <a:cxn ang="0">
+                <a:pos x="connsiteX143" y="connsiteY143"/>
+              </a:cxn>
+              <a:cxn ang="0">
+                <a:pos x="connsiteX144" y="connsiteY144"/>
+              </a:cxn>
+              <a:cxn ang="0">
+                <a:pos x="connsiteX145" y="connsiteY145"/>
+              </a:cxn>
+              <a:cxn ang="0">
+                <a:pos x="connsiteX146" y="connsiteY146"/>
+              </a:cxn>
+              <a:cxn ang="0">
+                <a:pos x="connsiteX147" y="connsiteY147"/>
+              </a:cxn>
+              <a:cxn ang="0">
+                <a:pos x="connsiteX148" y="connsiteY148"/>
+              </a:cxn>
+              <a:cxn ang="0">
+                <a:pos x="connsiteX149" y="connsiteY149"/>
+              </a:cxn>
+              <a:cxn ang="0">
+                <a:pos x="connsiteX150" y="connsiteY150"/>
+              </a:cxn>
+              <a:cxn ang="0">
+                <a:pos x="connsiteX151" y="connsiteY151"/>
+              </a:cxn>
+              <a:cxn ang="0">
+                <a:pos x="connsiteX152" y="connsiteY152"/>
+              </a:cxn>
+              <a:cxn ang="0">
+                <a:pos x="connsiteX153" y="connsiteY153"/>
+              </a:cxn>
+              <a:cxn ang="0">
+                <a:pos x="connsiteX154" y="connsiteY154"/>
+              </a:cxn>
+              <a:cxn ang="0">
+                <a:pos x="connsiteX155" y="connsiteY155"/>
+              </a:cxn>
+              <a:cxn ang="0">
+                <a:pos x="connsiteX156" y="connsiteY156"/>
+              </a:cxn>
+              <a:cxn ang="0">
+                <a:pos x="connsiteX157" y="connsiteY157"/>
+              </a:cxn>
+              <a:cxn ang="0">
+                <a:pos x="connsiteX158" y="connsiteY158"/>
+              </a:cxn>
+              <a:cxn ang="0">
+                <a:pos x="connsiteX159" y="connsiteY159"/>
+              </a:cxn>
+              <a:cxn ang="0">
+                <a:pos x="connsiteX160" y="connsiteY160"/>
+              </a:cxn>
+              <a:cxn ang="0">
+                <a:pos x="connsiteX161" y="connsiteY161"/>
+              </a:cxn>
+              <a:cxn ang="0">
+                <a:pos x="connsiteX162" y="connsiteY162"/>
+              </a:cxn>
+              <a:cxn ang="0">
+                <a:pos x="connsiteX163" y="connsiteY163"/>
+              </a:cxn>
+              <a:cxn ang="0">
+                <a:pos x="connsiteX164" y="connsiteY164"/>
+              </a:cxn>
+              <a:cxn ang="0">
+                <a:pos x="connsiteX165" y="connsiteY165"/>
+              </a:cxn>
+              <a:cxn ang="0">
+                <a:pos x="connsiteX166" y="connsiteY166"/>
+              </a:cxn>
+              <a:cxn ang="0">
+                <a:pos x="connsiteX167" y="connsiteY167"/>
+              </a:cxn>
+              <a:cxn ang="0">
+                <a:pos x="connsiteX168" y="connsiteY168"/>
+              </a:cxn>
+              <a:cxn ang="0">
+                <a:pos x="connsiteX169" y="connsiteY169"/>
+              </a:cxn>
+              <a:cxn ang="0">
+                <a:pos x="connsiteX170" y="connsiteY170"/>
+              </a:cxn>
+              <a:cxn ang="0">
+                <a:pos x="connsiteX171" y="connsiteY171"/>
+              </a:cxn>
+              <a:cxn ang="0">
+                <a:pos x="connsiteX172" y="connsiteY172"/>
+              </a:cxn>
+              <a:cxn ang="0">
+                <a:pos x="connsiteX173" y="connsiteY173"/>
+              </a:cxn>
+              <a:cxn ang="0">
+                <a:pos x="connsiteX174" y="connsiteY174"/>
+              </a:cxn>
+              <a:cxn ang="0">
+                <a:pos x="connsiteX175" y="connsiteY175"/>
+              </a:cxn>
+              <a:cxn ang="0">
+                <a:pos x="connsiteX176" y="connsiteY176"/>
+              </a:cxn>
+              <a:cxn ang="0">
+                <a:pos x="connsiteX177" y="connsiteY177"/>
+              </a:cxn>
+              <a:cxn ang="0">
+                <a:pos x="connsiteX178" y="connsiteY178"/>
+              </a:cxn>
+              <a:cxn ang="0">
+                <a:pos x="connsiteX179" y="connsiteY179"/>
+              </a:cxn>
+              <a:cxn ang="0">
+                <a:pos x="connsiteX180" y="connsiteY180"/>
+              </a:cxn>
+              <a:cxn ang="0">
+                <a:pos x="connsiteX181" y="connsiteY181"/>
+              </a:cxn>
+              <a:cxn ang="0">
+                <a:pos x="connsiteX182" y="connsiteY182"/>
+              </a:cxn>
+              <a:cxn ang="0">
+                <a:pos x="connsiteX183" y="connsiteY183"/>
+              </a:cxn>
+            </a:cxnLst>
+            <a:rect l="l" t="t" r="r" b="b"/>
+            <a:pathLst>
+              <a:path w="12192000" h="1924333">
+                <a:moveTo>
+                  <a:pt x="6189199" y="588"/>
+                </a:moveTo>
+                <a:cubicBezTo>
+                  <a:pt x="6196356" y="-574"/>
+                  <a:pt x="6202609" y="-108"/>
+                  <a:pt x="6207079" y="2850"/>
+                </a:cubicBezTo>
+                <a:cubicBezTo>
+                  <a:pt x="6222026" y="2749"/>
+                  <a:pt x="6273489" y="3767"/>
+                  <a:pt x="6285610" y="18131"/>
+                </a:cubicBezTo>
+                <a:cubicBezTo>
+                  <a:pt x="6307255" y="18685"/>
+                  <a:pt x="6357141" y="23793"/>
+                  <a:pt x="6378008" y="24625"/>
+                </a:cubicBezTo>
+                <a:cubicBezTo>
+                  <a:pt x="6409946" y="30645"/>
+                  <a:pt x="6438307" y="10375"/>
+                  <a:pt x="6466340" y="21366"/>
+                </a:cubicBezTo>
+                <a:cubicBezTo>
+                  <a:pt x="6488276" y="31229"/>
+                  <a:pt x="6529854" y="28110"/>
+                  <a:pt x="6553334" y="35307"/>
+                </a:cubicBezTo>
+                <a:cubicBezTo>
+                  <a:pt x="6561737" y="48059"/>
+                  <a:pt x="6609188" y="62087"/>
+                  <a:pt x="6626068" y="58045"/>
+                </a:cubicBezTo>
+                <a:cubicBezTo>
+                  <a:pt x="6660952" y="66570"/>
+                  <a:pt x="6666277" y="84716"/>
+                  <a:pt x="6692303" y="91487"/>
+                </a:cubicBezTo>
+                <a:lnTo>
+                  <a:pt x="6733670" y="118130"/>
+                </a:lnTo>
+                <a:lnTo>
+                  <a:pt x="6798016" y="112271"/>
+                </a:lnTo>
+                <a:lnTo>
+                  <a:pt x="6801081" y="114963"/>
+                </a:lnTo>
+                <a:cubicBezTo>
+                  <a:pt x="6806919" y="120140"/>
+                  <a:pt x="6812832" y="125016"/>
+                  <a:pt x="6819351" y="128825"/>
+                </a:cubicBezTo>
+                <a:cubicBezTo>
+                  <a:pt x="6825742" y="109997"/>
+                  <a:pt x="6840132" y="116541"/>
+                  <a:pt x="6852732" y="123321"/>
+                </a:cubicBezTo>
+                <a:lnTo>
+                  <a:pt x="6865247" y="128836"/>
+                </a:lnTo>
+                <a:lnTo>
+                  <a:pt x="6905517" y="129265"/>
+                </a:lnTo>
+                <a:cubicBezTo>
+                  <a:pt x="6934052" y="140042"/>
+                  <a:pt x="6939773" y="141556"/>
+                  <a:pt x="6950286" y="150104"/>
+                </a:cubicBezTo>
+                <a:lnTo>
+                  <a:pt x="7003442" y="136136"/>
+                </a:lnTo>
+                <a:lnTo>
+                  <a:pt x="7160047" y="166721"/>
+                </a:lnTo>
+                <a:cubicBezTo>
+                  <a:pt x="7207281" y="179911"/>
+                  <a:pt x="7280644" y="210197"/>
+                  <a:pt x="7325604" y="215867"/>
+                </a:cubicBezTo>
+                <a:cubicBezTo>
+                  <a:pt x="7460113" y="233904"/>
+                  <a:pt x="7393081" y="242880"/>
+                  <a:pt x="7540522" y="239374"/>
+                </a:cubicBezTo>
+                <a:cubicBezTo>
+                  <a:pt x="7545714" y="234872"/>
+                  <a:pt x="7605972" y="231727"/>
+                  <a:pt x="7612071" y="229553"/>
+                </a:cubicBezTo>
+                <a:lnTo>
+                  <a:pt x="7651995" y="244567"/>
+                </a:lnTo>
+                <a:lnTo>
+                  <a:pt x="7725761" y="258638"/>
+                </a:lnTo>
+                <a:lnTo>
+                  <a:pt x="7823038" y="287078"/>
+                </a:lnTo>
+                <a:cubicBezTo>
+                  <a:pt x="7837080" y="286482"/>
+                  <a:pt x="7851647" y="286498"/>
+                  <a:pt x="7866405" y="287288"/>
+                </a:cubicBezTo>
+                <a:lnTo>
+                  <a:pt x="7875021" y="288224"/>
+                </a:lnTo>
+                <a:cubicBezTo>
+                  <a:pt x="7875062" y="288354"/>
+                  <a:pt x="7875105" y="288483"/>
+                  <a:pt x="7875146" y="288614"/>
+                </a:cubicBezTo>
+                <a:cubicBezTo>
+                  <a:pt x="7880550" y="289202"/>
+                  <a:pt x="7901153" y="290716"/>
+                  <a:pt x="7907443" y="291752"/>
+                </a:cubicBezTo>
+                <a:lnTo>
+                  <a:pt x="7912892" y="294833"/>
+                </a:lnTo>
+                <a:lnTo>
+                  <a:pt x="7946345" y="319359"/>
+                </a:lnTo>
+                <a:cubicBezTo>
+                  <a:pt x="7958657" y="312776"/>
+                  <a:pt x="7996513" y="309749"/>
+                  <a:pt x="8021238" y="315159"/>
+                </a:cubicBezTo>
+                <a:cubicBezTo>
+                  <a:pt x="8045964" y="320570"/>
+                  <a:pt x="8058169" y="340462"/>
+                  <a:pt x="8094697" y="351819"/>
+                </a:cubicBezTo>
+                <a:cubicBezTo>
+                  <a:pt x="8129587" y="361154"/>
+                  <a:pt x="8116181" y="360544"/>
+                  <a:pt x="8155208" y="371168"/>
+                </a:cubicBezTo>
+                <a:cubicBezTo>
+                  <a:pt x="8196217" y="383300"/>
+                  <a:pt x="8205468" y="391801"/>
+                  <a:pt x="8248472" y="400489"/>
+                </a:cubicBezTo>
+                <a:cubicBezTo>
+                  <a:pt x="8283932" y="419791"/>
+                  <a:pt x="8278617" y="392031"/>
+                  <a:pt x="8300068" y="405531"/>
+                </a:cubicBezTo>
+                <a:lnTo>
+                  <a:pt x="8356293" y="403328"/>
+                </a:lnTo>
+                <a:cubicBezTo>
+                  <a:pt x="8377247" y="404463"/>
+                  <a:pt x="8438442" y="433194"/>
+                  <a:pt x="8475838" y="435524"/>
+                </a:cubicBezTo>
+                <a:cubicBezTo>
+                  <a:pt x="8510241" y="438037"/>
+                  <a:pt x="8545511" y="449840"/>
+                  <a:pt x="8575216" y="450198"/>
+                </a:cubicBezTo>
+                <a:lnTo>
+                  <a:pt x="8588650" y="447070"/>
+                </a:lnTo>
+                <a:lnTo>
+                  <a:pt x="8612184" y="439577"/>
+                </a:lnTo>
+                <a:lnTo>
+                  <a:pt x="8630713" y="433015"/>
+                </a:lnTo>
+                <a:cubicBezTo>
+                  <a:pt x="8635870" y="429519"/>
+                  <a:pt x="8700685" y="428411"/>
+                  <a:pt x="8704240" y="422865"/>
+                </a:cubicBezTo>
+                <a:cubicBezTo>
+                  <a:pt x="8761777" y="429549"/>
+                  <a:pt x="8768302" y="427178"/>
+                  <a:pt x="8829513" y="429389"/>
+                </a:cubicBezTo>
+                <a:cubicBezTo>
+                  <a:pt x="8922895" y="444672"/>
+                  <a:pt x="8924579" y="401507"/>
+                  <a:pt x="9083651" y="390744"/>
+                </a:cubicBezTo>
+                <a:cubicBezTo>
+                  <a:pt x="9138403" y="388032"/>
+                  <a:pt x="9315003" y="378647"/>
+                  <a:pt x="9371402" y="371809"/>
+                </a:cubicBezTo>
+                <a:cubicBezTo>
+                  <a:pt x="9358632" y="337502"/>
+                  <a:pt x="9402842" y="379364"/>
+                  <a:pt x="9429586" y="369213"/>
+                </a:cubicBezTo>
+                <a:cubicBezTo>
+                  <a:pt x="9449312" y="370213"/>
+                  <a:pt x="9473938" y="373270"/>
+                  <a:pt x="9489757" y="377814"/>
+                </a:cubicBezTo>
+                <a:cubicBezTo>
+                  <a:pt x="9498164" y="379256"/>
+                  <a:pt x="9507139" y="379272"/>
+                  <a:pt x="9516954" y="376991"/>
+                </a:cubicBezTo>
+                <a:cubicBezTo>
+                  <a:pt x="9548430" y="354766"/>
+                  <a:pt x="9591874" y="370315"/>
+                  <a:pt x="9645588" y="363590"/>
+                </a:cubicBezTo>
+                <a:cubicBezTo>
+                  <a:pt x="9660487" y="368814"/>
+                  <a:pt x="9710817" y="350550"/>
+                  <a:pt x="9722896" y="360983"/>
+                </a:cubicBezTo>
+                <a:cubicBezTo>
+                  <a:pt x="9733918" y="362239"/>
+                  <a:pt x="9745201" y="356679"/>
+                  <a:pt x="9752803" y="368492"/>
+                </a:cubicBezTo>
+                <a:cubicBezTo>
+                  <a:pt x="9793268" y="374490"/>
+                  <a:pt x="9843313" y="380978"/>
+                  <a:pt x="9890305" y="380736"/>
+                </a:cubicBezTo>
+                <a:cubicBezTo>
+                  <a:pt x="9912701" y="380083"/>
+                  <a:pt x="9926523" y="379037"/>
+                  <a:pt x="9939767" y="377776"/>
+                </a:cubicBezTo>
+                <a:lnTo>
+                  <a:pt x="9944355" y="377352"/>
+                </a:lnTo>
+                <a:lnTo>
+                  <a:pt x="9953719" y="375642"/>
+                </a:lnTo>
+                <a:lnTo>
+                  <a:pt x="9955809" y="376294"/>
+                </a:lnTo>
+                <a:lnTo>
+                  <a:pt x="10032710" y="394940"/>
+                </a:lnTo>
+                <a:lnTo>
+                  <a:pt x="10049925" y="404971"/>
+                </a:lnTo>
+                <a:lnTo>
+                  <a:pt x="10112671" y="414549"/>
+                </a:lnTo>
+                <a:cubicBezTo>
+                  <a:pt x="10169643" y="412125"/>
+                  <a:pt x="10132220" y="425358"/>
+                  <a:pt x="10170853" y="435168"/>
+                </a:cubicBezTo>
+                <a:cubicBezTo>
+                  <a:pt x="10206088" y="442020"/>
+                  <a:pt x="10240809" y="454081"/>
+                  <a:pt x="10290184" y="448123"/>
+                </a:cubicBezTo>
+                <a:cubicBezTo>
+                  <a:pt x="10301813" y="444919"/>
+                  <a:pt x="10315233" y="449499"/>
+                  <a:pt x="10320158" y="458352"/>
+                </a:cubicBezTo>
+                <a:cubicBezTo>
+                  <a:pt x="10321006" y="459876"/>
+                  <a:pt x="10321565" y="461470"/>
+                  <a:pt x="10321815" y="463087"/>
+                </a:cubicBezTo>
+                <a:cubicBezTo>
+                  <a:pt x="10354058" y="457158"/>
+                  <a:pt x="10355176" y="470634"/>
+                  <a:pt x="10373742" y="464538"/>
+                </a:cubicBezTo>
+                <a:cubicBezTo>
+                  <a:pt x="10403060" y="475292"/>
+                  <a:pt x="10411841" y="497597"/>
+                  <a:pt x="10428532" y="492504"/>
+                </a:cubicBezTo>
+                <a:cubicBezTo>
+                  <a:pt x="10440561" y="500742"/>
+                  <a:pt x="10446267" y="521930"/>
+                  <a:pt x="10466490" y="517759"/>
+                </a:cubicBezTo>
+                <a:cubicBezTo>
+                  <a:pt x="10464622" y="519986"/>
+                  <a:pt x="10465013" y="521261"/>
+                  <a:pt x="10466675" y="522076"/>
+                </a:cubicBezTo>
+                <a:lnTo>
+                  <a:pt x="10470309" y="522792"/>
+                </a:lnTo>
+                <a:lnTo>
+                  <a:pt x="10474138" y="519761"/>
+                </a:lnTo>
+                <a:cubicBezTo>
+                  <a:pt x="10488888" y="509612"/>
+                  <a:pt x="10484914" y="524734"/>
+                  <a:pt x="10501100" y="528263"/>
+                </a:cubicBezTo>
+                <a:cubicBezTo>
+                  <a:pt x="10508412" y="530705"/>
+                  <a:pt x="10505426" y="533743"/>
+                  <a:pt x="10502395" y="536393"/>
+                </a:cubicBezTo>
+                <a:lnTo>
+                  <a:pt x="10689496" y="560233"/>
+                </a:lnTo>
+                <a:cubicBezTo>
+                  <a:pt x="10721441" y="573640"/>
+                  <a:pt x="10757547" y="582937"/>
+                  <a:pt x="10788736" y="613188"/>
+                </a:cubicBezTo>
+                <a:cubicBezTo>
+                  <a:pt x="10794510" y="621641"/>
+                  <a:pt x="10807098" y="616073"/>
+                  <a:pt x="10819747" y="621351"/>
+                </a:cubicBezTo>
+                <a:cubicBezTo>
+                  <a:pt x="10832398" y="626630"/>
+                  <a:pt x="10846356" y="639592"/>
+                  <a:pt x="10864632" y="644858"/>
+                </a:cubicBezTo>
+                <a:cubicBezTo>
+                  <a:pt x="10895617" y="652290"/>
+                  <a:pt x="10921550" y="640451"/>
+                  <a:pt x="10929407" y="652945"/>
+                </a:cubicBezTo>
+                <a:cubicBezTo>
+                  <a:pt x="10945460" y="653176"/>
+                  <a:pt x="10968148" y="640553"/>
+                  <a:pt x="10979412" y="654217"/>
+                </a:cubicBezTo>
+                <a:cubicBezTo>
+                  <a:pt x="10981679" y="643737"/>
+                  <a:pt x="10997287" y="663414"/>
+                  <a:pt x="11006959" y="657017"/>
+                </a:cubicBezTo>
+                <a:cubicBezTo>
+                  <a:pt x="11023230" y="659396"/>
+                  <a:pt x="11051890" y="662462"/>
+                  <a:pt x="11077038" y="668487"/>
+                </a:cubicBezTo>
+                <a:cubicBezTo>
+                  <a:pt x="11097000" y="690299"/>
+                  <a:pt x="11141286" y="676399"/>
+                  <a:pt x="11157850" y="693164"/>
+                </a:cubicBezTo>
+                <a:cubicBezTo>
+                  <a:pt x="11163800" y="695757"/>
+                  <a:pt x="11169599" y="696942"/>
+                  <a:pt x="11175276" y="697243"/>
+                </a:cubicBezTo>
+                <a:lnTo>
+                  <a:pt x="11191131" y="696085"/>
+                </a:lnTo>
+                <a:lnTo>
+                  <a:pt x="11195573" y="691751"/>
+                </a:lnTo>
+                <a:lnTo>
+                  <a:pt x="11205299" y="693247"/>
+                </a:lnTo>
+                <a:lnTo>
+                  <a:pt x="11223770" y="690335"/>
+                </a:lnTo>
+                <a:cubicBezTo>
+                  <a:pt x="11237778" y="693777"/>
+                  <a:pt x="11256852" y="701947"/>
+                  <a:pt x="11292119" y="713311"/>
+                </a:cubicBezTo>
+                <a:cubicBezTo>
+                  <a:pt x="11334878" y="733451"/>
+                  <a:pt x="11401662" y="729175"/>
+                  <a:pt x="11435379" y="758519"/>
+                </a:cubicBezTo>
+                <a:lnTo>
+                  <a:pt x="11604406" y="810476"/>
+                </a:lnTo>
+                <a:lnTo>
+                  <a:pt x="11652155" y="825109"/>
+                </a:lnTo>
+                <a:lnTo>
+                  <a:pt x="11654192" y="827301"/>
+                </a:lnTo>
+                <a:cubicBezTo>
+                  <a:pt x="11661650" y="834729"/>
+                  <a:pt x="11669215" y="841480"/>
+                  <a:pt x="11676599" y="846628"/>
+                </a:cubicBezTo>
+                <a:cubicBezTo>
+                  <a:pt x="11688258" y="861760"/>
+                  <a:pt x="11752266" y="896888"/>
+                  <a:pt x="11775168" y="890664"/>
+                </a:cubicBezTo>
+                <a:cubicBezTo>
+                  <a:pt x="11790977" y="883819"/>
+                  <a:pt x="11808364" y="879901"/>
+                  <a:pt x="11826341" y="877558"/>
+                </a:cubicBezTo>
+                <a:lnTo>
+                  <a:pt x="11879068" y="874038"/>
+                </a:lnTo>
+                <a:lnTo>
+                  <a:pt x="11889563" y="878619"/>
+                </a:lnTo>
+                <a:lnTo>
+                  <a:pt x="12016613" y="886111"/>
+                </a:lnTo>
+                <a:lnTo>
+                  <a:pt x="12108292" y="868500"/>
+                </a:lnTo>
+                <a:cubicBezTo>
+                  <a:pt x="12129725" y="867311"/>
+                  <a:pt x="12157891" y="874537"/>
+                  <a:pt x="12182910" y="882003"/>
+                </a:cubicBezTo>
+                <a:lnTo>
+                  <a:pt x="12192000" y="884778"/>
+                </a:lnTo>
+                <a:lnTo>
+                  <a:pt x="12192000" y="1610315"/>
+                </a:lnTo>
+                <a:lnTo>
+                  <a:pt x="12191998" y="1610315"/>
+                </a:lnTo>
+                <a:lnTo>
+                  <a:pt x="12191998" y="1924333"/>
+                </a:lnTo>
+                <a:lnTo>
+                  <a:pt x="0" y="1924333"/>
+                </a:lnTo>
+                <a:lnTo>
+                  <a:pt x="0" y="505159"/>
+                </a:lnTo>
+                <a:lnTo>
+                  <a:pt x="5722" y="508889"/>
+                </a:lnTo>
+                <a:cubicBezTo>
+                  <a:pt x="21614" y="518548"/>
+                  <a:pt x="33814" y="524781"/>
+                  <a:pt x="38476" y="524137"/>
+                </a:cubicBezTo>
+                <a:cubicBezTo>
+                  <a:pt x="99229" y="544180"/>
+                  <a:pt x="142010" y="538457"/>
+                  <a:pt x="192883" y="545272"/>
+                </a:cubicBezTo>
+                <a:cubicBezTo>
+                  <a:pt x="277629" y="525210"/>
+                  <a:pt x="293434" y="558443"/>
+                  <a:pt x="343710" y="565029"/>
+                </a:cubicBezTo>
+                <a:cubicBezTo>
+                  <a:pt x="383094" y="555729"/>
+                  <a:pt x="425462" y="556271"/>
+                  <a:pt x="471066" y="549837"/>
+                </a:cubicBezTo>
+                <a:cubicBezTo>
+                  <a:pt x="513583" y="544428"/>
+                  <a:pt x="569194" y="531004"/>
+                  <a:pt x="617333" y="526428"/>
+                </a:cubicBezTo>
+                <a:cubicBezTo>
+                  <a:pt x="660031" y="520760"/>
+                  <a:pt x="696675" y="523882"/>
+                  <a:pt x="725203" y="523793"/>
+                </a:cubicBezTo>
+                <a:cubicBezTo>
+                  <a:pt x="736650" y="521695"/>
+                  <a:pt x="780513" y="502146"/>
+                  <a:pt x="788494" y="505799"/>
+                </a:cubicBezTo>
+                <a:lnTo>
+                  <a:pt x="885977" y="526585"/>
+                </a:lnTo>
+                <a:cubicBezTo>
+                  <a:pt x="906140" y="522837"/>
+                  <a:pt x="917203" y="532232"/>
+                  <a:pt x="932142" y="528005"/>
+                </a:cubicBezTo>
+                <a:cubicBezTo>
+                  <a:pt x="963701" y="524128"/>
+                  <a:pt x="1061555" y="499582"/>
+                  <a:pt x="1090404" y="498299"/>
+                </a:cubicBezTo>
+                <a:cubicBezTo>
+                  <a:pt x="1132840" y="494057"/>
+                  <a:pt x="1148476" y="496041"/>
+                  <a:pt x="1188628" y="483151"/>
+                </a:cubicBezTo>
+                <a:cubicBezTo>
+                  <a:pt x="1230397" y="468408"/>
+                  <a:pt x="1278711" y="457638"/>
+                  <a:pt x="1316247" y="425979"/>
+                </a:cubicBezTo>
+                <a:cubicBezTo>
+                  <a:pt x="1322662" y="417251"/>
+                  <a:pt x="1339433" y="418553"/>
+                  <a:pt x="1357712" y="416549"/>
+                </a:cubicBezTo>
+                <a:cubicBezTo>
+                  <a:pt x="1375991" y="414544"/>
+                  <a:pt x="1423507" y="412949"/>
+                  <a:pt x="1425921" y="413953"/>
+                </a:cubicBezTo>
+                <a:cubicBezTo>
+                  <a:pt x="1450272" y="407937"/>
+                  <a:pt x="1458223" y="388156"/>
+                  <a:pt x="1503817" y="380457"/>
+                </a:cubicBezTo>
+                <a:cubicBezTo>
+                  <a:pt x="1541095" y="377398"/>
+                  <a:pt x="1605565" y="376357"/>
+                  <a:pt x="1639196" y="372785"/>
+                </a:cubicBezTo>
+                <a:cubicBezTo>
+                  <a:pt x="1653280" y="376736"/>
+                  <a:pt x="1695289" y="365766"/>
+                  <a:pt x="1705606" y="359023"/>
+                </a:cubicBezTo>
+                <a:cubicBezTo>
+                  <a:pt x="1729169" y="336295"/>
+                  <a:pt x="1793207" y="348537"/>
+                  <a:pt x="1813011" y="331023"/>
+                </a:cubicBezTo>
+                <a:cubicBezTo>
+                  <a:pt x="1820772" y="328179"/>
+                  <a:pt x="1823566" y="341833"/>
+                  <a:pt x="1831380" y="341307"/>
+                </a:cubicBezTo>
+                <a:lnTo>
+                  <a:pt x="1858612" y="326777"/>
+                </a:lnTo>
+                <a:lnTo>
+                  <a:pt x="1880661" y="335987"/>
+                </a:lnTo>
+                <a:lnTo>
+                  <a:pt x="1941495" y="310792"/>
+                </a:lnTo>
+                <a:cubicBezTo>
+                  <a:pt x="1978970" y="307223"/>
+                  <a:pt x="1947391" y="291714"/>
+                  <a:pt x="1995402" y="305480"/>
+                </a:cubicBezTo>
+                <a:cubicBezTo>
+                  <a:pt x="2042464" y="298034"/>
+                  <a:pt x="2153424" y="281146"/>
+                  <a:pt x="2223864" y="266118"/>
+                </a:cubicBezTo>
+                <a:cubicBezTo>
+                  <a:pt x="2261296" y="256300"/>
+                  <a:pt x="2360518" y="238323"/>
+                  <a:pt x="2418043" y="215314"/>
+                </a:cubicBezTo>
+                <a:cubicBezTo>
+                  <a:pt x="2472088" y="206823"/>
+                  <a:pt x="2499422" y="162612"/>
+                  <a:pt x="2558461" y="168193"/>
+                </a:cubicBezTo>
+                <a:cubicBezTo>
+                  <a:pt x="2559660" y="164506"/>
+                  <a:pt x="2592244" y="161337"/>
+                  <a:pt x="2595535" y="158548"/>
+                </a:cubicBezTo>
+                <a:lnTo>
+                  <a:pt x="2626942" y="130400"/>
+                </a:lnTo>
+                <a:lnTo>
+                  <a:pt x="2632225" y="130446"/>
+                </a:lnTo>
+                <a:lnTo>
+                  <a:pt x="2696856" y="128498"/>
+                </a:lnTo>
+                <a:lnTo>
+                  <a:pt x="2759767" y="127784"/>
+                </a:lnTo>
+                <a:cubicBezTo>
+                  <a:pt x="2770024" y="123546"/>
+                  <a:pt x="2781047" y="119463"/>
+                  <a:pt x="2792685" y="115710"/>
+                </a:cubicBezTo>
+                <a:lnTo>
+                  <a:pt x="2799767" y="113754"/>
+                </a:lnTo>
+                <a:lnTo>
+                  <a:pt x="2829799" y="120042"/>
+                </a:lnTo>
+                <a:lnTo>
+                  <a:pt x="2890704" y="121493"/>
+                </a:lnTo>
+                <a:cubicBezTo>
+                  <a:pt x="2935390" y="121035"/>
+                  <a:pt x="2990780" y="113193"/>
+                  <a:pt x="3042646" y="112273"/>
+                </a:cubicBezTo>
+                <a:cubicBezTo>
+                  <a:pt x="3077119" y="111474"/>
+                  <a:pt x="3124089" y="100414"/>
+                  <a:pt x="3146630" y="100898"/>
+                </a:cubicBezTo>
+                <a:cubicBezTo>
+                  <a:pt x="3169381" y="117699"/>
+                  <a:pt x="3224695" y="125864"/>
+                  <a:pt x="3233163" y="120200"/>
+                </a:cubicBezTo>
+                <a:lnTo>
+                  <a:pt x="3372699" y="129394"/>
+                </a:lnTo>
+                <a:cubicBezTo>
+                  <a:pt x="3389020" y="126586"/>
+                  <a:pt x="3397563" y="116804"/>
+                  <a:pt x="3394352" y="131671"/>
+                </a:cubicBezTo>
+                <a:cubicBezTo>
+                  <a:pt x="3406102" y="131485"/>
+                  <a:pt x="3429770" y="120938"/>
+                  <a:pt x="3448218" y="118229"/>
+                </a:cubicBezTo>
+                <a:lnTo>
+                  <a:pt x="3505047" y="115412"/>
+                </a:lnTo>
+                <a:lnTo>
+                  <a:pt x="3521767" y="111071"/>
+                </a:lnTo>
+                <a:cubicBezTo>
+                  <a:pt x="3526335" y="108877"/>
+                  <a:pt x="3582156" y="117732"/>
+                  <a:pt x="3585137" y="114371"/>
+                </a:cubicBezTo>
+                <a:cubicBezTo>
+                  <a:pt x="3638265" y="102098"/>
+                  <a:pt x="3633789" y="98565"/>
+                  <a:pt x="3690293" y="98301"/>
+                </a:cubicBezTo>
+                <a:cubicBezTo>
+                  <a:pt x="3782197" y="112746"/>
+                  <a:pt x="3826738" y="92943"/>
+                  <a:pt x="3867818" y="88985"/>
+                </a:cubicBezTo>
+                <a:cubicBezTo>
+                  <a:pt x="3943777" y="81477"/>
+                  <a:pt x="3990501" y="75194"/>
+                  <a:pt x="4091337" y="70813"/>
+                </a:cubicBezTo>
+                <a:cubicBezTo>
+                  <a:pt x="4154422" y="62932"/>
+                  <a:pt x="4217060" y="45734"/>
+                  <a:pt x="4246332" y="41697"/>
+                </a:cubicBezTo>
+                <a:cubicBezTo>
+                  <a:pt x="4253308" y="42804"/>
+                  <a:pt x="4260125" y="44606"/>
+                  <a:pt x="4266975" y="46592"/>
+                </a:cubicBezTo>
+                <a:lnTo>
+                  <a:pt x="4270566" y="47620"/>
+                </a:lnTo>
+                <a:lnTo>
+                  <a:pt x="4288964" y="52766"/>
+                </a:lnTo>
+                <a:lnTo>
+                  <a:pt x="4365137" y="51783"/>
+                </a:lnTo>
+                <a:lnTo>
+                  <a:pt x="4430546" y="44555"/>
+                </a:lnTo>
+                <a:lnTo>
+                  <a:pt x="4444136" y="39567"/>
+                </a:lnTo>
+                <a:lnTo>
+                  <a:pt x="4534039" y="31604"/>
+                </a:lnTo>
+                <a:lnTo>
+                  <a:pt x="4560448" y="25231"/>
+                </a:lnTo>
+                <a:lnTo>
+                  <a:pt x="4568006" y="25970"/>
+                </a:lnTo>
+                <a:cubicBezTo>
+                  <a:pt x="4580278" y="23866"/>
+                  <a:pt x="4594878" y="14904"/>
+                  <a:pt x="4595497" y="22958"/>
+                </a:cubicBezTo>
+                <a:lnTo>
+                  <a:pt x="4608623" y="18108"/>
+                </a:lnTo>
+                <a:lnTo>
+                  <a:pt x="4623942" y="22251"/>
+                </a:lnTo>
+                <a:cubicBezTo>
+                  <a:pt x="4633227" y="23117"/>
+                  <a:pt x="4655429" y="23973"/>
+                  <a:pt x="4664336" y="23306"/>
+                </a:cubicBezTo>
+                <a:lnTo>
+                  <a:pt x="4677385" y="18246"/>
+                </a:lnTo>
+                <a:lnTo>
+                  <a:pt x="4698143" y="18036"/>
+                </a:lnTo>
+                <a:cubicBezTo>
+                  <a:pt x="4710347" y="18931"/>
+                  <a:pt x="4736189" y="22441"/>
+                  <a:pt x="4750609" y="23611"/>
+                </a:cubicBezTo>
+                <a:cubicBezTo>
+                  <a:pt x="4764270" y="27424"/>
+                  <a:pt x="4774858" y="29782"/>
+                  <a:pt x="4784658" y="25057"/>
+                </a:cubicBezTo>
+                <a:cubicBezTo>
+                  <a:pt x="4804708" y="29613"/>
+                  <a:pt x="4822811" y="48263"/>
+                  <a:pt x="4847558" y="38726"/>
+                </a:cubicBezTo>
+                <a:cubicBezTo>
+                  <a:pt x="4868304" y="42993"/>
+                  <a:pt x="4867190" y="47939"/>
+                  <a:pt x="4909134" y="50659"/>
+                </a:cubicBezTo>
+                <a:cubicBezTo>
+                  <a:pt x="4945026" y="52455"/>
+                  <a:pt x="5063406" y="54096"/>
+                  <a:pt x="5099219" y="55050"/>
+                </a:cubicBezTo>
+                <a:cubicBezTo>
+                  <a:pt x="5145195" y="57873"/>
+                  <a:pt x="5163254" y="65473"/>
+                  <a:pt x="5184992" y="67596"/>
+                </a:cubicBezTo>
+                <a:cubicBezTo>
+                  <a:pt x="5206728" y="69720"/>
+                  <a:pt x="5195578" y="65687"/>
+                  <a:pt x="5229637" y="67789"/>
+                </a:cubicBezTo>
+                <a:cubicBezTo>
+                  <a:pt x="5263695" y="69892"/>
+                  <a:pt x="5345217" y="78854"/>
+                  <a:pt x="5389346" y="80211"/>
+                </a:cubicBezTo>
+                <a:cubicBezTo>
+                  <a:pt x="5425889" y="83191"/>
+                  <a:pt x="5461943" y="84751"/>
+                  <a:pt x="5494414" y="75926"/>
+                </a:cubicBezTo>
+                <a:lnTo>
+                  <a:pt x="5528443" y="77206"/>
+                </a:lnTo>
+                <a:cubicBezTo>
+                  <a:pt x="5582723" y="71370"/>
+                  <a:pt x="5638917" y="68385"/>
+                  <a:pt x="5684939" y="50269"/>
+                </a:cubicBezTo>
+                <a:cubicBezTo>
+                  <a:pt x="5724389" y="45804"/>
+                  <a:pt x="5737860" y="52916"/>
+                  <a:pt x="5765146" y="50414"/>
+                </a:cubicBezTo>
+                <a:cubicBezTo>
+                  <a:pt x="5792695" y="43060"/>
+                  <a:pt x="5827352" y="38097"/>
+                  <a:pt x="5848655" y="35257"/>
+                </a:cubicBezTo>
+                <a:lnTo>
+                  <a:pt x="5930656" y="30131"/>
+                </a:lnTo>
+                <a:lnTo>
+                  <a:pt x="6124150" y="31679"/>
+                </a:lnTo>
+                <a:cubicBezTo>
+                  <a:pt x="6138131" y="22216"/>
+                  <a:pt x="6167730" y="4075"/>
+                  <a:pt x="6189199" y="588"/>
+                </a:cubicBezTo>
+                <a:close/>
+              </a:path>
+            </a:pathLst>
+          </a:custGeom>
+          <a:solidFill>
+            <a:srgbClr val="82766A">
+              <a:alpha val="15000"/>
+            </a:srgbClr>
+          </a:solidFill>
+          <a:ln w="12700" cap="flat" cmpd="sng" algn="ctr">
+            <a:noFill/>
+            <a:prstDash val="solid"/>
+            <a:miter lim="800000"/>
+          </a:ln>
+          <a:effectLst/>
+        </p:spPr>
+        <p:style>
+          <a:lnRef idx="2">
+            <a:schemeClr val="accent1">
+              <a:shade val="50000"/>
+            </a:schemeClr>
+          </a:lnRef>
+          <a:fillRef idx="1">
+            <a:schemeClr val="accent1"/>
+          </a:fillRef>
+          <a:effectRef idx="0">
+            <a:schemeClr val="accent1"/>
+          </a:effectRef>
+          <a:fontRef idx="minor">
+            <a:schemeClr val="lt1"/>
+          </a:fontRef>
+        </p:style>
+        <p:txBody>
+          <a:bodyPr rtlCol="0" anchor="ctr"/>
+          <a:lstStyle/>
+          <a:p>
+            <a:pPr algn="ctr"/>
+            <a:endParaRPr lang="en-US"/>
+          </a:p>
+        </p:txBody>
+      </p:sp>
       <p:sp>
         <p:nvSpPr>
           <p:cNvPr id="2" name="Title 1"/>
@@ -5163,12 +6850,22 @@
             <p:ph type="title"/>
           </p:nvPr>
         </p:nvSpPr>
-        <p:spPr/>
-        <p:txBody>
-          <a:bodyPr/>
-          <a:lstStyle/>
-          <a:p>
-            <a:pPr>
+        <p:spPr>
+          <a:xfrm>
+            <a:off x="1548811" y="5561574"/>
+            <a:ext cx="5874178" cy="739881"/>
+          </a:xfrm>
+        </p:spPr>
+        <p:txBody>
+          <a:bodyPr vert="horz" lIns="91440" tIns="45720" rIns="91440" bIns="45720" rtlCol="0" anchor="b">
+            <a:normAutofit/>
+          </a:bodyPr>
+          <a:lstStyle/>
+          <a:p>
+            <a:pPr defTabSz="914400">
+              <a:lnSpc>
+                <a:spcPct val="90000"/>
+              </a:lnSpc>
               <a:defRPr sz="3200">
                 <a:solidFill>
                   <a:srgbClr val="C69214"/>
@@ -5176,6 +6873,7 @@
               </a:defRPr>
             </a:pPr>
             <a:r>
+              <a:rPr lang="en-US" sz="3100" dirty="0"/>
               <a:t>Interactive Visualization Dashboard</a:t>
             </a:r>
           </a:p>
@@ -5183,14 +6881,116 @@
       </p:sp>
       <p:sp>
         <p:nvSpPr>
-          <p:cNvPr id="4" name="TextBox 3"/>
+          <p:cNvPr id="5" name="TextBox 4"/>
           <p:cNvSpPr txBox="1"/>
           <p:nvPr/>
         </p:nvSpPr>
         <p:spPr>
           <a:xfrm>
-            <a:off x="1562650" y="1371600"/>
-            <a:ext cx="6018699" cy="400110"/>
+            <a:off x="1716095" y="6320850"/>
+            <a:ext cx="5539610" cy="336959"/>
+          </a:xfrm>
+          <a:prstGeom prst="rect">
+            <a:avLst/>
+          </a:prstGeom>
+        </p:spPr>
+        <p:txBody>
+          <a:bodyPr vert="horz" lIns="91440" tIns="45720" rIns="91440" bIns="45720" rtlCol="0">
+            <a:normAutofit/>
+          </a:bodyPr>
+          <a:lstStyle/>
+          <a:p>
+            <a:pPr algn="ctr" defTabSz="914400">
+              <a:lnSpc>
+                <a:spcPct val="90000"/>
+              </a:lnSpc>
+              <a:spcBef>
+                <a:spcPts val="1000"/>
+              </a:spcBef>
+              <a:defRPr sz="1400"/>
+            </a:pPr>
+            <a:r>
+              <a:rPr lang="en-US" sz="1200" dirty="0"/>
+              <a:t>Features: Folium heatmap • SQL query interface • Tableau charts • Real-time updates</a:t>
+            </a:r>
+          </a:p>
+        </p:txBody>
+      </p:sp>
+      <p:pic>
+        <p:nvPicPr>
+          <p:cNvPr id="18" name="Picture 17" descr="A screenshot of a computer&#10;&#10;Description automatically generated">
+            <a:extLst>
+              <a:ext uri="{FF2B5EF4-FFF2-40B4-BE49-F238E27FC236}">
+                <a16:creationId xmlns:a16="http://schemas.microsoft.com/office/drawing/2014/main" id="{7772690A-FE82-2149-C745-B9EAB7CBDF72}"/>
+              </a:ext>
+            </a:extLst>
+          </p:cNvPr>
+          <p:cNvPicPr>
+            <a:picLocks noChangeAspect="1"/>
+          </p:cNvPicPr>
+          <p:nvPr/>
+        </p:nvPicPr>
+        <p:blipFill>
+          <a:blip r:embed="rId2"/>
+          <a:srcRect b="15392"/>
+          <a:stretch/>
+        </p:blipFill>
+        <p:spPr>
+          <a:xfrm>
+            <a:off x="92150" y="167871"/>
+            <a:ext cx="2608680" cy="2659208"/>
+          </a:xfrm>
+          <a:prstGeom prst="rect">
+            <a:avLst/>
+          </a:prstGeom>
+        </p:spPr>
+      </p:pic>
+      <p:pic>
+        <p:nvPicPr>
+          <p:cNvPr id="22" name="Picture 21" descr="A screenshot of a data report&#10;&#10;Description automatically generated">
+            <a:extLst>
+              <a:ext uri="{FF2B5EF4-FFF2-40B4-BE49-F238E27FC236}">
+                <a16:creationId xmlns:a16="http://schemas.microsoft.com/office/drawing/2014/main" id="{07C73896-6E9F-AA42-FFA9-38BB74FAE13E}"/>
+              </a:ext>
+            </a:extLst>
+          </p:cNvPr>
+          <p:cNvPicPr>
+            <a:picLocks noChangeAspect="1"/>
+          </p:cNvPicPr>
+          <p:nvPr/>
+        </p:nvPicPr>
+        <p:blipFill>
+          <a:blip r:embed="rId3"/>
+          <a:stretch>
+            <a:fillRect/>
+          </a:stretch>
+        </p:blipFill>
+        <p:spPr>
+          <a:xfrm>
+            <a:off x="202869" y="3025127"/>
+            <a:ext cx="2293568" cy="2659208"/>
+          </a:xfrm>
+          <a:prstGeom prst="rect">
+            <a:avLst/>
+          </a:prstGeom>
+        </p:spPr>
+      </p:pic>
+      <p:sp>
+        <p:nvSpPr>
+          <p:cNvPr id="13" name="TextBox 12">
+            <a:extLst>
+              <a:ext uri="{FF2B5EF4-FFF2-40B4-BE49-F238E27FC236}">
+                <a16:creationId xmlns:a16="http://schemas.microsoft.com/office/drawing/2014/main" id="{3F9BD0B7-72C5-A7F1-95B2-6AC7FAFD6194}"/>
+              </a:ext>
+            </a:extLst>
+          </p:cNvPr>
+          <p:cNvSpPr txBox="1"/>
+          <p:nvPr/>
+        </p:nvSpPr>
+        <p:spPr>
+          <a:xfrm>
+            <a:off x="1442191" y="1771472"/>
+            <a:ext cx="184731" cy="369332"/>
           </a:xfrm>
           <a:prstGeom prst="rect">
             <a:avLst/>
@@ -5198,97 +6998,78 @@
           <a:noFill/>
         </p:spPr>
         <p:txBody>
-          <a:bodyPr wrap="none">
+          <a:bodyPr wrap="none" rtlCol="0">
             <a:spAutoFit/>
           </a:bodyPr>
           <a:lstStyle/>
           <a:p>
-            <a:pPr algn="ctr">
-              <a:defRPr sz="2000" b="1">
-                <a:solidFill>
-                  <a:srgbClr val="4472C4"/>
-                </a:solidFill>
-              </a:defRPr>
-            </a:pPr>
-            <a:r>
-              <a:rPr dirty="0"/>
-              <a:t>[INSERT YOUR </a:t>
-            </a:r>
-            <a:r>
-              <a:rPr dirty="0" smtClean="0"/>
-              <a:t>STREAMLIT </a:t>
-            </a:r>
-            <a:r>
-              <a:rPr dirty="0"/>
-              <a:t>DASHBOARD SCREENSHOT]</a:t>
-            </a:r>
-          </a:p>
-        </p:txBody>
-      </p:sp>
-      <p:sp>
-        <p:nvSpPr>
-          <p:cNvPr id="5" name="TextBox 4"/>
-          <p:cNvSpPr txBox="1"/>
+            <a:endParaRPr lang="en-US" dirty="0"/>
+          </a:p>
+        </p:txBody>
+      </p:sp>
+      <p:pic>
+        <p:nvPicPr>
+          <p:cNvPr id="15" name="Picture 14" descr="A screenshot of a graph&#10;&#10;Description automatically generated">
+            <a:extLst>
+              <a:ext uri="{FF2B5EF4-FFF2-40B4-BE49-F238E27FC236}">
+                <a16:creationId xmlns:a16="http://schemas.microsoft.com/office/drawing/2014/main" id="{292BA899-F7FE-C1EA-3AD4-719CBB572E70}"/>
+              </a:ext>
+            </a:extLst>
+          </p:cNvPr>
+          <p:cNvPicPr>
+            <a:picLocks noChangeAspect="1"/>
+          </p:cNvPicPr>
           <p:nvPr/>
-        </p:nvSpPr>
+        </p:nvPicPr>
+        <p:blipFill>
+          <a:blip r:embed="rId4"/>
+          <a:srcRect b="6058"/>
+          <a:stretch/>
+        </p:blipFill>
         <p:spPr>
           <a:xfrm>
-            <a:off x="1362275" y="5669280"/>
-            <a:ext cx="6419450" cy="307777"/>
+            <a:off x="2748151" y="1156089"/>
+            <a:ext cx="2734551" cy="3058195"/>
           </a:xfrm>
           <a:prstGeom prst="rect">
             <a:avLst/>
           </a:prstGeom>
-          <a:noFill/>
         </p:spPr>
-        <p:txBody>
-          <a:bodyPr wrap="none">
-            <a:spAutoFit/>
-          </a:bodyPr>
-          <a:lstStyle/>
-          <a:p>
-            <a:pPr algn="ctr">
-              <a:defRPr sz="1400"/>
-            </a:pPr>
-            <a:r>
-              <a:rPr dirty="0"/>
-              <a:t>Features: Folium </a:t>
-            </a:r>
-            <a:r>
-              <a:rPr dirty="0" err="1"/>
-              <a:t>heatmap</a:t>
-            </a:r>
-            <a:r>
-              <a:rPr dirty="0"/>
-              <a:t> • SQL query interface • </a:t>
-            </a:r>
-            <a:r>
-              <a:rPr lang="en-US" dirty="0" smtClean="0"/>
-              <a:t>Tableau</a:t>
-            </a:r>
-            <a:r>
-              <a:rPr dirty="0" smtClean="0"/>
-              <a:t> </a:t>
-            </a:r>
-            <a:r>
-              <a:rPr dirty="0"/>
-              <a:t>charts • Real-time updates</a:t>
-            </a:r>
-          </a:p>
-        </p:txBody>
-      </p:sp>
+      </p:pic>
+      <p:pic>
+        <p:nvPicPr>
+          <p:cNvPr id="24" name="Picture 23" descr="A map with a red line&#10;&#10;Description automatically generated">
+            <a:extLst>
+              <a:ext uri="{FF2B5EF4-FFF2-40B4-BE49-F238E27FC236}">
+                <a16:creationId xmlns:a16="http://schemas.microsoft.com/office/drawing/2014/main" id="{C126D2C3-E941-E77F-6F70-3E6D41424FA0}"/>
+              </a:ext>
+            </a:extLst>
+          </p:cNvPr>
+          <p:cNvPicPr>
+            <a:picLocks noChangeAspect="1"/>
+          </p:cNvPicPr>
+          <p:nvPr/>
+        </p:nvPicPr>
+        <p:blipFill>
+          <a:blip r:embed="rId5"/>
+          <a:srcRect l="20464" t="18867" r="8605" b="11505"/>
+          <a:stretch/>
+        </p:blipFill>
+        <p:spPr>
+          <a:xfrm>
+            <a:off x="5604846" y="1063505"/>
+            <a:ext cx="3336285" cy="3341980"/>
+          </a:xfrm>
+          <a:prstGeom prst="rect">
+            <a:avLst/>
+          </a:prstGeom>
+        </p:spPr>
+      </p:pic>
     </p:spTree>
   </p:cSld>
   <p:clrMapOvr>
     <a:masterClrMapping/>
   </p:clrMapOvr>
-  <p:timing>
-    <p:tnLst>
-      <p:par>
-        <p:cTn id="1" dur="indefinite" restart="never" nodeType="tmRoot"/>
-      </p:par>
-    </p:tnLst>
-  </p:timing>
 </p:sld>
 </file>
 
